--- a/docs/Presentations/Milestone1Presentation_v1.pptx
+++ b/docs/Presentations/Milestone1Presentation_v1.pptx
@@ -15,9 +15,10 @@
     <p:sldId id="259" r:id="rId9"/>
     <p:sldId id="260" r:id="rId10"/>
     <p:sldId id="261" r:id="rId11"/>
-    <p:sldId id="262" r:id="rId12"/>
-    <p:sldId id="263" r:id="rId13"/>
-    <p:sldId id="264" r:id="rId14"/>
+    <p:sldId id="264" r:id="rId12"/>
+    <p:sldId id="269" r:id="rId13"/>
+    <p:sldId id="262" r:id="rId14"/>
+    <p:sldId id="263" r:id="rId15"/>
   </p:sldIdLst>
   <p:sldSz cx="9144000" cy="6858000" type="screen4x3"/>
   <p:notesSz cx="6858000" cy="9144000"/>
@@ -309,7 +310,7 @@
               <a:rPr lang="en-US" smtClean="0"/>
               <a:t>Wednesday, March 4, 15</a:t>
             </a:fld>
-            <a:endParaRPr lang="en-US"/>
+            <a:endParaRPr lang="en-US" dirty="0"/>
           </a:p>
         </p:txBody>
       </p:sp>
@@ -353,7 +354,7 @@
               <a:pPr/>
               <a:t>‹#›</a:t>
             </a:fld>
-            <a:endParaRPr lang="en-US"/>
+            <a:endParaRPr lang="en-US" dirty="0"/>
           </a:p>
         </p:txBody>
       </p:sp>
@@ -511,7 +512,7 @@
               <a:rPr lang="en-US" smtClean="0"/>
               <a:t>Wednesday, March 4, 15</a:t>
             </a:fld>
-            <a:endParaRPr lang="en-US"/>
+            <a:endParaRPr lang="en-US" dirty="0"/>
           </a:p>
         </p:txBody>
       </p:sp>
@@ -555,7 +556,7 @@
               <a:pPr/>
               <a:t>‹#›</a:t>
             </a:fld>
-            <a:endParaRPr lang="en-US"/>
+            <a:endParaRPr lang="en-US" dirty="0"/>
           </a:p>
         </p:txBody>
       </p:sp>
@@ -688,7 +689,7 @@
               <a:rPr lang="en-US" smtClean="0"/>
               <a:t>Wednesday, March 4, 15</a:t>
             </a:fld>
-            <a:endParaRPr lang="en-US"/>
+            <a:endParaRPr lang="en-US" dirty="0"/>
           </a:p>
         </p:txBody>
       </p:sp>
@@ -732,7 +733,7 @@
               <a:pPr/>
               <a:t>‹#›</a:t>
             </a:fld>
-            <a:endParaRPr lang="en-US"/>
+            <a:endParaRPr lang="en-US" dirty="0"/>
           </a:p>
         </p:txBody>
       </p:sp>
@@ -855,7 +856,7 @@
               <a:rPr lang="en-US" smtClean="0"/>
               <a:t>Wednesday, March 4, 15</a:t>
             </a:fld>
-            <a:endParaRPr lang="en-US"/>
+            <a:endParaRPr lang="en-US" dirty="0"/>
           </a:p>
         </p:txBody>
       </p:sp>
@@ -899,7 +900,7 @@
               <a:pPr/>
               <a:t>‹#›</a:t>
             </a:fld>
-            <a:endParaRPr lang="en-US"/>
+            <a:endParaRPr lang="en-US" dirty="0"/>
           </a:p>
         </p:txBody>
       </p:sp>
@@ -1105,7 +1106,7 @@
               <a:rPr lang="en-US" smtClean="0"/>
               <a:t>Wednesday, March 4, 15</a:t>
             </a:fld>
-            <a:endParaRPr lang="en-US"/>
+            <a:endParaRPr lang="en-US" dirty="0"/>
           </a:p>
         </p:txBody>
       </p:sp>
@@ -1149,7 +1150,7 @@
               <a:pPr/>
               <a:t>‹#›</a:t>
             </a:fld>
-            <a:endParaRPr lang="en-US"/>
+            <a:endParaRPr lang="en-US" dirty="0"/>
           </a:p>
         </p:txBody>
       </p:sp>
@@ -1425,7 +1426,7 @@
               <a:rPr lang="en-US" smtClean="0"/>
               <a:t>Wednesday, March 4, 15</a:t>
             </a:fld>
-            <a:endParaRPr lang="en-US"/>
+            <a:endParaRPr lang="en-US" dirty="0"/>
           </a:p>
         </p:txBody>
       </p:sp>
@@ -1469,7 +1470,7 @@
               <a:pPr/>
               <a:t>‹#›</a:t>
             </a:fld>
-            <a:endParaRPr lang="en-US"/>
+            <a:endParaRPr lang="en-US" dirty="0"/>
           </a:p>
         </p:txBody>
       </p:sp>
@@ -1893,7 +1894,7 @@
               <a:rPr lang="en-US" smtClean="0"/>
               <a:t>Wednesday, March 4, 15</a:t>
             </a:fld>
-            <a:endParaRPr lang="en-US"/>
+            <a:endParaRPr lang="en-US" dirty="0"/>
           </a:p>
         </p:txBody>
       </p:sp>
@@ -1937,7 +1938,7 @@
               <a:pPr/>
               <a:t>‹#›</a:t>
             </a:fld>
-            <a:endParaRPr lang="en-US"/>
+            <a:endParaRPr lang="en-US" dirty="0"/>
           </a:p>
         </p:txBody>
       </p:sp>
@@ -2043,7 +2044,7 @@
               <a:rPr lang="en-US" smtClean="0"/>
               <a:t>Wednesday, March 4, 15</a:t>
             </a:fld>
-            <a:endParaRPr lang="en-US"/>
+            <a:endParaRPr lang="en-US" dirty="0"/>
           </a:p>
         </p:txBody>
       </p:sp>
@@ -2087,7 +2088,7 @@
               <a:pPr/>
               <a:t>‹#›</a:t>
             </a:fld>
-            <a:endParaRPr lang="en-US"/>
+            <a:endParaRPr lang="en-US" dirty="0"/>
           </a:p>
         </p:txBody>
       </p:sp>
@@ -2135,7 +2136,7 @@
               <a:rPr lang="en-US" smtClean="0"/>
               <a:t>Wednesday, March 4, 15</a:t>
             </a:fld>
-            <a:endParaRPr lang="en-US"/>
+            <a:endParaRPr lang="en-US" dirty="0"/>
           </a:p>
         </p:txBody>
       </p:sp>
@@ -2179,7 +2180,7 @@
               <a:pPr/>
               <a:t>‹#›</a:t>
             </a:fld>
-            <a:endParaRPr lang="en-US"/>
+            <a:endParaRPr lang="en-US" dirty="0"/>
           </a:p>
         </p:txBody>
       </p:sp>
@@ -2411,7 +2412,7 @@
               <a:rPr lang="en-US" smtClean="0"/>
               <a:t>Wednesday, March 4, 15</a:t>
             </a:fld>
-            <a:endParaRPr lang="en-US"/>
+            <a:endParaRPr lang="en-US" dirty="0"/>
           </a:p>
         </p:txBody>
       </p:sp>
@@ -2455,7 +2456,7 @@
               <a:pPr/>
               <a:t>‹#›</a:t>
             </a:fld>
-            <a:endParaRPr lang="en-US"/>
+            <a:endParaRPr lang="en-US" dirty="0"/>
           </a:p>
         </p:txBody>
       </p:sp>
@@ -2627,7 +2628,7 @@
           </a:lstStyle>
           <a:p>
             <a:r>
-              <a:rPr lang="en-US" smtClean="0"/>
+              <a:rPr lang="en-US" dirty="0" smtClean="0"/>
               <a:t>Drag picture to placeholder or click icon to add</a:t>
             </a:r>
             <a:endParaRPr lang="en-US" dirty="0"/>
@@ -2718,7 +2719,7 @@
               <a:rPr lang="en-US" smtClean="0"/>
               <a:t>Wednesday, March 4, 15</a:t>
             </a:fld>
-            <a:endParaRPr lang="en-US"/>
+            <a:endParaRPr lang="en-US" dirty="0"/>
           </a:p>
         </p:txBody>
       </p:sp>
@@ -2762,7 +2763,7 @@
               <a:pPr/>
               <a:t>‹#›</a:t>
             </a:fld>
-            <a:endParaRPr lang="en-US"/>
+            <a:endParaRPr lang="en-US" dirty="0"/>
           </a:p>
         </p:txBody>
       </p:sp>
@@ -2838,7 +2839,7 @@
           <a:lstStyle/>
           <a:p>
             <a:pPr algn="ctr"/>
-            <a:endParaRPr lang="en-US"/>
+            <a:endParaRPr lang="en-US" dirty="0"/>
           </a:p>
         </p:txBody>
       </p:sp>
@@ -2979,7 +2980,7 @@
           <a:lstStyle/>
           <a:p>
             <a:pPr algn="ctr"/>
-            <a:endParaRPr lang="en-US"/>
+            <a:endParaRPr lang="en-US" dirty="0"/>
           </a:p>
         </p:txBody>
       </p:sp>
@@ -3796,7 +3797,7 @@
           <a:p>
             <a:r>
               <a:rPr lang="en-US" dirty="0" smtClean="0"/>
-              <a:t>Project Planning</a:t>
+              <a:t>Project Risks</a:t>
             </a:r>
             <a:endParaRPr lang="en-US" dirty="0"/>
           </a:p>
@@ -3814,33 +3815,106 @@
         </p:nvSpPr>
         <p:spPr/>
         <p:txBody>
-          <a:bodyPr/>
-          <a:lstStyle/>
-          <a:p>
-            <a:r>
-              <a:rPr lang="en-US" dirty="0" smtClean="0"/>
-              <a:t>Iterations</a:t>
-            </a:r>
-          </a:p>
-          <a:p>
-            <a:r>
-              <a:rPr lang="en-US" dirty="0" smtClean="0"/>
-              <a:t>Stories – division on labor</a:t>
-            </a:r>
-          </a:p>
-          <a:p>
-            <a:r>
-              <a:rPr lang="en-US" dirty="0" smtClean="0"/>
-              <a:t>Estimates for Stories</a:t>
-            </a:r>
-            <a:endParaRPr lang="en-US" dirty="0"/>
+          <a:bodyPr>
+            <a:normAutofit fontScale="92500" lnSpcReduction="10000"/>
+          </a:bodyPr>
+          <a:lstStyle/>
+          <a:p>
+            <a:pPr marL="0" indent="0">
+              <a:buNone/>
+            </a:pPr>
+            <a:r>
+              <a:rPr lang="en-US" dirty="0" smtClean="0"/>
+              <a:t>Risks</a:t>
+            </a:r>
+          </a:p>
+          <a:p>
+            <a:pPr lvl="1"/>
+            <a:r>
+              <a:rPr lang="en-US" dirty="0" smtClean="0"/>
+              <a:t>Integration with other teams</a:t>
+            </a:r>
+          </a:p>
+          <a:p>
+            <a:pPr lvl="2"/>
+            <a:r>
+              <a:rPr lang="en-US" dirty="0" smtClean="0"/>
+              <a:t>Design meetings with other teams planned</a:t>
+            </a:r>
+          </a:p>
+          <a:p>
+            <a:pPr lvl="1"/>
+            <a:endParaRPr lang="en-US" dirty="0" smtClean="0"/>
+          </a:p>
+          <a:p>
+            <a:pPr lvl="1"/>
+            <a:r>
+              <a:rPr lang="en-US" dirty="0" smtClean="0"/>
+              <a:t>Stories take longer that estimated</a:t>
+            </a:r>
+          </a:p>
+          <a:p>
+            <a:pPr lvl="2"/>
+            <a:r>
+              <a:rPr lang="en-US" dirty="0" smtClean="0"/>
+              <a:t>Keep a burn-up chart and prioritize stories</a:t>
+            </a:r>
+          </a:p>
+          <a:p>
+            <a:pPr lvl="1"/>
+            <a:endParaRPr lang="en-US" dirty="0" smtClean="0"/>
+          </a:p>
+          <a:p>
+            <a:pPr lvl="1"/>
+            <a:r>
+              <a:rPr lang="en-US" dirty="0" smtClean="0"/>
+              <a:t>Getting of Good Test Data</a:t>
+            </a:r>
+          </a:p>
+          <a:p>
+            <a:pPr lvl="2"/>
+            <a:r>
+              <a:rPr lang="en-US" dirty="0" smtClean="0"/>
+              <a:t>Professor and TA may be able to get more</a:t>
+            </a:r>
+          </a:p>
+          <a:p>
+            <a:endParaRPr lang="en-US" dirty="0" smtClean="0"/>
+          </a:p>
+          <a:p>
+            <a:r>
+              <a:rPr lang="en-US" dirty="0" smtClean="0"/>
+              <a:t>Testing Strategy</a:t>
+            </a:r>
+          </a:p>
+          <a:p>
+            <a:pPr lvl="1"/>
+            <a:r>
+              <a:rPr lang="en-US" dirty="0" smtClean="0"/>
+              <a:t>Test Driven Design</a:t>
+            </a:r>
+          </a:p>
+          <a:p>
+            <a:pPr lvl="1"/>
+            <a:r>
+              <a:rPr lang="en-US" dirty="0" smtClean="0"/>
+              <a:t>Joint</a:t>
+            </a:r>
+          </a:p>
+          <a:p>
+            <a:pPr lvl="1"/>
+            <a:r>
+              <a:rPr lang="en-US" dirty="0" smtClean="0"/>
+              <a:t>Frontend TBD</a:t>
+            </a:r>
+            <a:endParaRPr lang="en-US" dirty="0" smtClean="0"/>
           </a:p>
         </p:txBody>
       </p:sp>
     </p:spTree>
     <p:extLst>
       <p:ext uri="{BB962C8B-B14F-4D97-AF65-F5344CB8AC3E}">
-        <p14:creationId xmlns:p14="http://schemas.microsoft.com/office/powerpoint/2010/main" val="3210332075"/>
+        <p14:creationId xmlns:p14="http://schemas.microsoft.com/office/powerpoint/2010/main" val="4258234684"/>
       </p:ext>
     </p:extLst>
   </p:cSld>
@@ -3884,7 +3958,11 @@
           <a:p>
             <a:r>
               <a:rPr lang="en-US" dirty="0" smtClean="0"/>
-              <a:t>Key Milestones</a:t>
+              <a:t>Project </a:t>
+            </a:r>
+            <a:r>
+              <a:rPr lang="en-US" dirty="0" smtClean="0"/>
+              <a:t>Planning – Team / Tools</a:t>
             </a:r>
             <a:endParaRPr lang="en-US" dirty="0"/>
           </a:p>
@@ -3905,24 +3983,80 @@
           <a:bodyPr/>
           <a:lstStyle/>
           <a:p>
-            <a:r>
-              <a:rPr lang="en-US" dirty="0" smtClean="0"/>
-              <a:t>Milestone 2 Deliverables</a:t>
-            </a:r>
-          </a:p>
-          <a:p>
-            <a:r>
-              <a:rPr lang="en-US" dirty="0" smtClean="0"/>
-              <a:t>Milestone 3 Deliverables</a:t>
-            </a:r>
-            <a:endParaRPr lang="en-US" dirty="0"/>
+            <a:pPr marL="0" indent="0">
+              <a:buNone/>
+            </a:pPr>
+            <a:r>
+              <a:rPr lang="en-US" dirty="0" smtClean="0"/>
+              <a:t>Division of Labor</a:t>
+            </a:r>
+          </a:p>
+          <a:p>
+            <a:pPr lvl="1"/>
+            <a:r>
+              <a:rPr lang="en-US" dirty="0" smtClean="0"/>
+              <a:t>3 People specializing in Front End work</a:t>
+            </a:r>
+          </a:p>
+          <a:p>
+            <a:pPr lvl="1"/>
+            <a:r>
+              <a:rPr lang="en-US" dirty="0" smtClean="0"/>
+              <a:t>2 People specializing in Back End work</a:t>
+            </a:r>
+          </a:p>
+          <a:p>
+            <a:pPr lvl="1"/>
+            <a:endParaRPr lang="en-US" dirty="0" smtClean="0"/>
+          </a:p>
+          <a:p>
+            <a:pPr lvl="1"/>
+            <a:endParaRPr lang="en-US" dirty="0" smtClean="0"/>
+          </a:p>
+          <a:p>
+            <a:pPr marL="0" indent="0">
+              <a:buNone/>
+            </a:pPr>
+            <a:r>
+              <a:rPr lang="en-US" dirty="0" smtClean="0"/>
+              <a:t>Collaborative Tools</a:t>
+            </a:r>
+          </a:p>
+          <a:p>
+            <a:pPr lvl="1"/>
+            <a:r>
+              <a:rPr lang="en-US" dirty="0" smtClean="0"/>
+              <a:t>Slack (messaging)</a:t>
+            </a:r>
+          </a:p>
+          <a:p>
+            <a:pPr lvl="1"/>
+            <a:r>
+              <a:rPr lang="en-US" dirty="0" smtClean="0"/>
+              <a:t>Git</a:t>
+            </a:r>
+            <a:r>
+              <a:rPr lang="en-US" dirty="0" smtClean="0"/>
+              <a:t> Hub Repository</a:t>
+            </a:r>
+          </a:p>
+          <a:p>
+            <a:pPr lvl="1"/>
+            <a:r>
+              <a:rPr lang="en-US" dirty="0" smtClean="0"/>
+              <a:t>JIRA</a:t>
+            </a:r>
+            <a:endParaRPr lang="en-US" dirty="0" smtClean="0"/>
+          </a:p>
+          <a:p>
+            <a:endParaRPr lang="en-US" dirty="0" smtClean="0"/>
           </a:p>
         </p:txBody>
       </p:sp>
     </p:spTree>
     <p:extLst>
       <p:ext uri="{BB962C8B-B14F-4D97-AF65-F5344CB8AC3E}">
-        <p14:creationId xmlns:p14="http://schemas.microsoft.com/office/powerpoint/2010/main" val="1815632258"/>
+        <p14:creationId xmlns:p14="http://schemas.microsoft.com/office/powerpoint/2010/main" val="1096911352"/>
       </p:ext>
     </p:extLst>
   </p:cSld>
@@ -3966,7 +4100,7 @@
           <a:p>
             <a:r>
               <a:rPr lang="en-US" dirty="0" smtClean="0"/>
-              <a:t>Project Risks</a:t>
+              <a:t>Project Planning</a:t>
             </a:r>
             <a:endParaRPr lang="en-US" dirty="0"/>
           </a:p>
@@ -3989,42 +4123,241 @@
           <a:p>
             <a:r>
               <a:rPr lang="en-US" dirty="0" smtClean="0"/>
-              <a:t>Strategy for mitigating risks</a:t>
-            </a:r>
-          </a:p>
-          <a:p>
-            <a:r>
-              <a:rPr lang="en-US" dirty="0" smtClean="0"/>
-              <a:t>Requirements changes</a:t>
-            </a:r>
-          </a:p>
-          <a:p>
-            <a:r>
-              <a:rPr lang="en-US" dirty="0" smtClean="0"/>
-              <a:t>Testing Strategy</a:t>
-            </a:r>
-          </a:p>
-          <a:p>
-            <a:r>
-              <a:rPr lang="en-US" dirty="0" smtClean="0"/>
-              <a:t>Tools </a:t>
-            </a:r>
-            <a:r>
-              <a:rPr lang="en-US" dirty="0" err="1" smtClean="0"/>
-              <a:t>Git,Jira,Grunt</a:t>
-            </a:r>
-            <a:r>
-              <a:rPr lang="en-US" dirty="0" smtClean="0"/>
-              <a:t>, Metrics</a:t>
-            </a:r>
-            <a:endParaRPr lang="en-US" dirty="0"/>
-          </a:p>
-        </p:txBody>
-      </p:sp>
+              <a:t>10 Iterations</a:t>
+            </a:r>
+            <a:endParaRPr lang="en-US" dirty="0" smtClean="0"/>
+          </a:p>
+          <a:p>
+            <a:r>
+              <a:rPr lang="en-US" dirty="0" smtClean="0"/>
+              <a:t>360 Story Points (Project Estimate 720 Hours)</a:t>
+            </a:r>
+          </a:p>
+          <a:p>
+            <a:r>
+              <a:rPr lang="en-US" dirty="0" smtClean="0"/>
+              <a:t>Burn-up Calculated weekly</a:t>
+            </a:r>
+            <a:endParaRPr lang="en-US" dirty="0" smtClean="0"/>
+          </a:p>
+          <a:p>
+            <a:endParaRPr lang="en-US" dirty="0" smtClean="0"/>
+          </a:p>
+        </p:txBody>
+      </p:sp>
+      <p:pic>
+        <p:nvPicPr>
+          <p:cNvPr id="4" name="Picture 3" descr="BurnUpChart.png"/>
+          <p:cNvPicPr>
+            <a:picLocks noChangeAspect="1"/>
+          </p:cNvPicPr>
+          <p:nvPr/>
+        </p:nvPicPr>
+        <p:blipFill>
+          <a:blip r:embed="rId2">
+            <a:extLst>
+              <a:ext uri="{28A0092B-C50C-407E-A947-70E740481C1C}">
+                <a14:useLocalDpi xmlns:a14="http://schemas.microsoft.com/office/drawing/2010/main" val="0"/>
+              </a:ext>
+            </a:extLst>
+          </a:blip>
+          <a:stretch>
+            <a:fillRect/>
+          </a:stretch>
+        </p:blipFill>
+        <p:spPr>
+          <a:xfrm>
+            <a:off x="1701800" y="3225800"/>
+            <a:ext cx="5504688" cy="2761488"/>
+          </a:xfrm>
+          <a:prstGeom prst="rect">
+            <a:avLst/>
+          </a:prstGeom>
+        </p:spPr>
+      </p:pic>
     </p:spTree>
     <p:extLst>
       <p:ext uri="{BB962C8B-B14F-4D97-AF65-F5344CB8AC3E}">
-        <p14:creationId xmlns:p14="http://schemas.microsoft.com/office/powerpoint/2010/main" val="4258234684"/>
+        <p14:creationId xmlns:p14="http://schemas.microsoft.com/office/powerpoint/2010/main" val="3210332075"/>
+      </p:ext>
+    </p:extLst>
+  </p:cSld>
+  <p:clrMapOvr>
+    <a:masterClrMapping/>
+  </p:clrMapOvr>
+</p:sld>
+</file>
+
+<file path=ppt/slides/slide14.xml><?xml version="1.0" encoding="utf-8"?>
+<p:sld xmlns:a="http://schemas.openxmlformats.org/drawingml/2006/main" xmlns:r="http://schemas.openxmlformats.org/officeDocument/2006/relationships" xmlns:p="http://schemas.openxmlformats.org/presentationml/2006/main">
+  <p:cSld>
+    <p:spTree>
+      <p:nvGrpSpPr>
+        <p:cNvPr id="1" name=""/>
+        <p:cNvGrpSpPr/>
+        <p:nvPr/>
+      </p:nvGrpSpPr>
+      <p:grpSpPr>
+        <a:xfrm>
+          <a:off x="0" y="0"/>
+          <a:ext cx="0" cy="0"/>
+          <a:chOff x="0" y="0"/>
+          <a:chExt cx="0" cy="0"/>
+        </a:xfrm>
+      </p:grpSpPr>
+      <p:sp>
+        <p:nvSpPr>
+          <p:cNvPr id="2" name="Title 1"/>
+          <p:cNvSpPr>
+            <a:spLocks noGrp="1"/>
+          </p:cNvSpPr>
+          <p:nvPr>
+            <p:ph type="title"/>
+          </p:nvPr>
+        </p:nvSpPr>
+        <p:spPr/>
+        <p:txBody>
+          <a:bodyPr/>
+          <a:lstStyle/>
+          <a:p>
+            <a:r>
+              <a:rPr lang="en-US" dirty="0" smtClean="0"/>
+              <a:t>Key Milestones</a:t>
+            </a:r>
+            <a:endParaRPr lang="en-US" dirty="0"/>
+          </a:p>
+        </p:txBody>
+      </p:sp>
+      <p:sp>
+        <p:nvSpPr>
+          <p:cNvPr id="3" name="Content Placeholder 2"/>
+          <p:cNvSpPr>
+            <a:spLocks noGrp="1"/>
+          </p:cNvSpPr>
+          <p:nvPr>
+            <p:ph idx="1"/>
+          </p:nvPr>
+        </p:nvSpPr>
+        <p:spPr/>
+        <p:txBody>
+          <a:bodyPr>
+            <a:normAutofit fontScale="92500" lnSpcReduction="10000"/>
+          </a:bodyPr>
+          <a:lstStyle/>
+          <a:p>
+            <a:r>
+              <a:rPr lang="en-US" dirty="0" smtClean="0"/>
+              <a:t>Milestone 2 </a:t>
+            </a:r>
+            <a:r>
+              <a:rPr lang="en-US" dirty="0" smtClean="0"/>
+              <a:t>Deliverables</a:t>
+            </a:r>
+          </a:p>
+          <a:p>
+            <a:pPr lvl="1"/>
+            <a:r>
+              <a:rPr lang="en-US" dirty="0" smtClean="0"/>
+              <a:t>Screen </a:t>
+            </a:r>
+            <a:r>
+              <a:rPr lang="en-US" dirty="0" smtClean="0"/>
+              <a:t>Process Flow</a:t>
+            </a:r>
+          </a:p>
+          <a:p>
+            <a:pPr lvl="1"/>
+            <a:r>
+              <a:rPr lang="en-US" dirty="0" smtClean="0"/>
+              <a:t>Domain Model</a:t>
+            </a:r>
+            <a:endParaRPr lang="en-US" dirty="0" smtClean="0"/>
+          </a:p>
+          <a:p>
+            <a:pPr lvl="1"/>
+            <a:r>
+              <a:rPr lang="en-US" dirty="0" smtClean="0"/>
+              <a:t>Web Service Interfaces</a:t>
+            </a:r>
+          </a:p>
+          <a:p>
+            <a:pPr lvl="1"/>
+            <a:r>
+              <a:rPr lang="en-US" dirty="0" smtClean="0"/>
+              <a:t>Plate Map Editor</a:t>
+            </a:r>
+          </a:p>
+          <a:p>
+            <a:pPr lvl="1"/>
+            <a:r>
+              <a:rPr lang="en-US" dirty="0" smtClean="0"/>
+              <a:t>Web Services for Plate Editor</a:t>
+            </a:r>
+          </a:p>
+          <a:p>
+            <a:pPr lvl="1"/>
+            <a:r>
+              <a:rPr lang="en-US" dirty="0" smtClean="0"/>
+              <a:t>Web Services for QC Results</a:t>
+            </a:r>
+          </a:p>
+          <a:p>
+            <a:pPr lvl="1"/>
+            <a:r>
+              <a:rPr lang="en-US" dirty="0" smtClean="0"/>
+              <a:t>Heat Maps </a:t>
+            </a:r>
+          </a:p>
+          <a:p>
+            <a:pPr lvl="1"/>
+            <a:r>
+              <a:rPr lang="en-US" dirty="0" smtClean="0"/>
+              <a:t>QC Plates / Experiments </a:t>
+            </a:r>
+          </a:p>
+          <a:p>
+            <a:pPr lvl="1"/>
+            <a:endParaRPr lang="en-US" dirty="0" smtClean="0"/>
+          </a:p>
+          <a:p>
+            <a:r>
+              <a:rPr lang="en-US" dirty="0" smtClean="0"/>
+              <a:t>Milestone 3 </a:t>
+            </a:r>
+            <a:r>
+              <a:rPr lang="en-US" dirty="0" smtClean="0"/>
+              <a:t>Deliverables</a:t>
+            </a:r>
+          </a:p>
+          <a:p>
+            <a:pPr lvl="1"/>
+            <a:r>
+              <a:rPr lang="en-US" dirty="0" smtClean="0"/>
+              <a:t>Interactive Analysis</a:t>
+            </a:r>
+            <a:endParaRPr lang="en-US" dirty="0" smtClean="0"/>
+          </a:p>
+          <a:p>
+            <a:pPr lvl="1"/>
+            <a:r>
+              <a:rPr lang="en-US" dirty="0" smtClean="0"/>
+              <a:t>Interactive Dose Response Analysis</a:t>
+            </a:r>
+          </a:p>
+          <a:p>
+            <a:pPr lvl="1"/>
+            <a:r>
+              <a:rPr lang="en-US" dirty="0" smtClean="0"/>
+              <a:t>Save or Publish</a:t>
+            </a:r>
+            <a:endParaRPr lang="en-US" dirty="0"/>
+          </a:p>
+        </p:txBody>
+      </p:sp>
+    </p:spTree>
+    <p:extLst>
+      <p:ext uri="{BB962C8B-B14F-4D97-AF65-F5344CB8AC3E}">
+        <p14:creationId xmlns:p14="http://schemas.microsoft.com/office/powerpoint/2010/main" val="1815632258"/>
       </p:ext>
     </p:extLst>
   </p:cSld>
@@ -4091,33 +4424,38 @@
           </a:bodyPr>
           <a:lstStyle/>
           <a:p>
-            <a:pPr marL="0" indent="0">
+            <a:pPr marL="0" indent="0" algn="ctr">
               <a:buNone/>
             </a:pPr>
             <a:r>
+              <a:rPr lang="en-US" dirty="0" smtClean="0"/>
+              <a:t>The </a:t>
+            </a:r>
+            <a:r>
               <a:rPr lang="en-US" dirty="0"/>
-              <a:t>Our overall vision is to create a centralized web application that will provide tools to assist scientists in managing experiment plate sets and with the analysis of experimental results</a:t>
-            </a:r>
-            <a:r>
-              <a:rPr lang="en-US" dirty="0" smtClean="0"/>
-              <a:t>.</a:t>
-            </a:r>
+              <a:t>team focus is providing outstanding tools to assist in analyzing the dose response characteristics potential drugs.</a:t>
+            </a:r>
+          </a:p>
+          <a:p>
+            <a:pPr marL="0" indent="0" algn="ctr">
+              <a:buNone/>
+            </a:pPr>
             <a:r>
               <a:rPr lang="en-US" dirty="0"/>
               <a:t> </a:t>
             </a:r>
           </a:p>
           <a:p>
-            <a:pPr marL="0" indent="0">
+            <a:pPr marL="0" indent="0" algn="ctr">
               <a:buNone/>
             </a:pPr>
             <a:r>
               <a:rPr lang="en-US" dirty="0"/>
-              <a:t>The team focus is providing outstanding tools to assist in analyzing the dose response characteristics potential drugs.</a:t>
-            </a:r>
-          </a:p>
-          <a:p>
-            <a:pPr marL="0" indent="0">
+              <a:t>We will provide beautiful interactive visualization tools that will assist the scientist in:</a:t>
+            </a:r>
+          </a:p>
+          <a:p>
+            <a:pPr marL="0" indent="0" algn="ctr">
               <a:buNone/>
             </a:pPr>
             <a:r>
@@ -4126,16 +4464,28 @@
             </a:r>
           </a:p>
           <a:p>
-            <a:pPr marL="0" indent="0">
-              <a:buNone/>
-            </a:pPr>
+            <a:pPr lvl="0"/>
             <a:r>
               <a:rPr lang="en-US" dirty="0"/>
-              <a:t>We will provide beautiful interactive visualization tools that will assist the scientist in:</a:t>
-            </a:r>
-          </a:p>
-          <a:p>
-            <a:pPr marL="0" indent="0">
+              <a:t>Creating and managing experimental plate sets for dose response experiments</a:t>
+            </a:r>
+          </a:p>
+          <a:p>
+            <a:pPr lvl="0"/>
+            <a:r>
+              <a:rPr lang="en-US" dirty="0"/>
+              <a:t>Performing quality control checks on plate results and plate controls</a:t>
+            </a:r>
+          </a:p>
+          <a:p>
+            <a:pPr lvl="0"/>
+            <a:r>
+              <a:rPr lang="en-US" dirty="0"/>
+              <a:t>Performing Interactive analysis of dose response results.</a:t>
+            </a:r>
+          </a:p>
+          <a:p>
+            <a:pPr marL="0" indent="0" algn="ctr">
               <a:buNone/>
             </a:pPr>
             <a:r>
@@ -4144,28 +4494,7 @@
             </a:r>
           </a:p>
           <a:p>
-            <a:pPr lvl="0"/>
-            <a:r>
-              <a:rPr lang="en-US" dirty="0"/>
-              <a:t>Creating and managing experimental plate sets for dose response experiments</a:t>
-            </a:r>
-          </a:p>
-          <a:p>
-            <a:pPr lvl="0"/>
-            <a:r>
-              <a:rPr lang="en-US" dirty="0"/>
-              <a:t>Performing quality control checks on plate results and plate controls</a:t>
-            </a:r>
-          </a:p>
-          <a:p>
-            <a:pPr lvl="0"/>
-            <a:r>
-              <a:rPr lang="en-US" dirty="0"/>
-              <a:t>Performing Interactive analysis of dose response results.</a:t>
-            </a:r>
-          </a:p>
-          <a:p>
-            <a:pPr marL="0" indent="0">
+            <a:pPr marL="0" indent="0" algn="ctr">
               <a:buNone/>
             </a:pPr>
             <a:r>
@@ -4174,7 +4503,16 @@
             </a:r>
           </a:p>
           <a:p>
-            <a:pPr marL="0" indent="0">
+            <a:pPr marL="0" indent="0" algn="ctr">
+              <a:buNone/>
+            </a:pPr>
+            <a:r>
+              <a:rPr lang="en-US" dirty="0"/>
+              <a:t>The team will store the experimental results and the analysis of the results so that the historic experimental analysis can be reviewed or reproduced at any time.</a:t>
+            </a:r>
+          </a:p>
+          <a:p>
+            <a:pPr marL="0" indent="0" algn="ctr">
               <a:buNone/>
             </a:pPr>
             <a:r>
@@ -4183,25 +4521,7 @@
             </a:r>
           </a:p>
           <a:p>
-            <a:pPr marL="0" indent="0">
-              <a:buNone/>
-            </a:pPr>
-            <a:r>
-              <a:rPr lang="en-US" dirty="0"/>
-              <a:t>The team will store the experimental results and the analysis of the results so that the historic experimental analysis can be reviewed or reproduced at any time.</a:t>
-            </a:r>
-          </a:p>
-          <a:p>
-            <a:pPr marL="0" indent="0">
-              <a:buNone/>
-            </a:pPr>
-            <a:r>
-              <a:rPr lang="en-US" dirty="0"/>
-              <a:t> </a:t>
-            </a:r>
-          </a:p>
-          <a:p>
-            <a:pPr marL="0" indent="0">
+            <a:pPr marL="0" indent="0" algn="ctr">
               <a:buNone/>
             </a:pPr>
             <a:r>
@@ -4283,60 +4603,91 @@
         <p:spPr/>
         <p:txBody>
           <a:bodyPr>
-            <a:normAutofit fontScale="85000" lnSpcReduction="20000"/>
+            <a:normAutofit lnSpcReduction="10000"/>
           </a:bodyPr>
           <a:lstStyle/>
           <a:p>
-            <a:pPr marL="0" indent="0">
-              <a:buNone/>
-            </a:pPr>
+            <a:r>
+              <a:rPr lang="en-US" dirty="0" smtClean="0"/>
+              <a:t>High </a:t>
+            </a:r>
             <a:r>
               <a:rPr lang="en-US" dirty="0"/>
-              <a:t>New drug development is a time consuming and expensive process. In the early stages of drug discovery millions of compounds are screened and tested on the road to finding a few candidates for further exploratory development.</a:t>
-            </a:r>
-          </a:p>
-          <a:p>
-            <a:pPr marL="0" indent="0">
-              <a:buNone/>
-            </a:pPr>
+              <a:t>throughput screening </a:t>
+            </a:r>
+            <a:r>
+              <a:rPr lang="en-US" dirty="0" smtClean="0"/>
+              <a:t>tests </a:t>
+            </a:r>
+            <a:r>
+              <a:rPr lang="en-US" dirty="0"/>
+              <a:t>millions of potential drugs</a:t>
+            </a:r>
+            <a:r>
+              <a:rPr lang="en-US" dirty="0" smtClean="0"/>
+              <a:t>.</a:t>
+            </a:r>
+          </a:p>
+          <a:p>
             <a:endParaRPr lang="en-US" dirty="0" smtClean="0"/>
           </a:p>
           <a:p>
-            <a:pPr marL="0" indent="0">
-              <a:buNone/>
-            </a:pPr>
-            <a:r>
-              <a:rPr lang="en-US" dirty="0" smtClean="0"/>
-              <a:t>High </a:t>
+            <a:r>
+              <a:rPr lang="en-US" dirty="0" smtClean="0"/>
+              <a:t>Commercial software is expensive</a:t>
+            </a:r>
+          </a:p>
+          <a:p>
+            <a:endParaRPr lang="en-US" dirty="0" smtClean="0"/>
+          </a:p>
+          <a:p>
+            <a:r>
+              <a:rPr lang="en-US" dirty="0" smtClean="0"/>
+              <a:t>E</a:t>
+            </a:r>
+            <a:r>
+              <a:rPr lang="en-US" dirty="0" smtClean="0"/>
+              <a:t>nable Scientists to be </a:t>
             </a:r>
             <a:r>
               <a:rPr lang="en-US" dirty="0"/>
-              <a:t>throughput screening is a method scientists use in the early stages of drug discovery to test millions of potential drugs. The method allows scientist to quickly identify candidates. While the process is highly automated, a disparate selection software of software tools are often used to manage plate sets and analyze results. Commercial software to manage the process is often extremely expensive</a:t>
-            </a:r>
-          </a:p>
-          <a:p>
-            <a:pPr marL="0" indent="0">
-              <a:buNone/>
-            </a:pPr>
+              <a:t>organized and efficient when screening </a:t>
+            </a:r>
+            <a:r>
+              <a:rPr lang="en-US" dirty="0" smtClean="0"/>
+              <a:t>potential </a:t>
+            </a:r>
+            <a:r>
+              <a:rPr lang="en-US" dirty="0"/>
+              <a:t>drugs. </a:t>
+            </a:r>
             <a:endParaRPr lang="en-US" dirty="0" smtClean="0"/>
           </a:p>
           <a:p>
-            <a:pPr marL="0" indent="0">
-              <a:buNone/>
-            </a:pPr>
-            <a:r>
-              <a:rPr lang="en-US" dirty="0" smtClean="0"/>
-              <a:t>The </a:t>
+            <a:endParaRPr lang="en-US" dirty="0"/>
+          </a:p>
+          <a:p>
+            <a:r>
+              <a:rPr lang="en-US" dirty="0" smtClean="0"/>
+              <a:t>Dynamic analysis tools help reduce the number of experiments.</a:t>
+            </a:r>
+          </a:p>
+          <a:p>
+            <a:endParaRPr lang="en-US" dirty="0" smtClean="0"/>
+          </a:p>
+          <a:p>
+            <a:r>
+              <a:rPr lang="en-US" dirty="0" smtClean="0"/>
+              <a:t>Eliminate </a:t>
             </a:r>
             <a:r>
               <a:rPr lang="en-US" dirty="0"/>
-              <a:t>We99 team is proposing releasing an integrated suite of open source web based tools. The team believes that the tools will enable scientists to be more organized and efficient when screening and analyzing potential drugs. Time savings will allow scientist to more effectively eliminate compounds earlier in the discovery cycle potentially saving companies millions of dollars.</a:t>
-            </a:r>
-          </a:p>
-          <a:p>
-            <a:pPr marL="0" indent="0">
-              <a:buNone/>
-            </a:pPr>
+              <a:t>compounds earlier in the discovery </a:t>
+            </a:r>
+            <a:r>
+              <a:rPr lang="en-US" dirty="0" smtClean="0"/>
+              <a:t>cycle.</a:t>
+            </a:r>
             <a:endParaRPr lang="en-US" dirty="0"/>
           </a:p>
         </p:txBody>
@@ -4409,11 +4760,62 @@
           <a:bodyPr/>
           <a:lstStyle/>
           <a:p>
-            <a:r>
-              <a:rPr lang="en-US" dirty="0" smtClean="0"/>
-              <a:t>Outline of presentation and presenters</a:t>
-            </a:r>
-            <a:endParaRPr lang="en-US" dirty="0"/>
+            <a:pPr marL="0" indent="0">
+              <a:buNone/>
+            </a:pPr>
+            <a:r>
+              <a:rPr lang="en-US" dirty="0" smtClean="0"/>
+              <a:t>Overvie</a:t>
+            </a:r>
+            <a:r>
+              <a:rPr lang="en-US" dirty="0" smtClean="0"/>
+              <a:t>w of Presentation</a:t>
+            </a:r>
+            <a:endParaRPr lang="en-US" dirty="0" smtClean="0"/>
+          </a:p>
+          <a:p>
+            <a:pPr marL="0" indent="0">
+              <a:buNone/>
+            </a:pPr>
+            <a:endParaRPr lang="en-US" dirty="0" smtClean="0"/>
+          </a:p>
+          <a:p>
+            <a:r>
+              <a:rPr lang="en-US" dirty="0" smtClean="0"/>
+              <a:t>Plate Editing and Creation – Alex</a:t>
+            </a:r>
+          </a:p>
+          <a:p>
+            <a:r>
+              <a:rPr lang="en-US" dirty="0" smtClean="0"/>
+              <a:t>Results Analysis – Sean</a:t>
+            </a:r>
+          </a:p>
+          <a:p>
+            <a:r>
+              <a:rPr lang="en-US" dirty="0" smtClean="0"/>
+              <a:t>Architecture – Mark</a:t>
+            </a:r>
+          </a:p>
+          <a:p>
+            <a:r>
+              <a:rPr lang="en-US" dirty="0" smtClean="0"/>
+              <a:t>Front End –</a:t>
+            </a:r>
+            <a:r>
+              <a:rPr lang="en-US" dirty="0"/>
+              <a:t> </a:t>
+            </a:r>
+            <a:r>
+              <a:rPr lang="en-US" dirty="0" smtClean="0"/>
+              <a:t>Tim</a:t>
+            </a:r>
+          </a:p>
+          <a:p>
+            <a:r>
+              <a:rPr lang="en-US" dirty="0" smtClean="0"/>
+              <a:t>Project Planning/Estimates - Alan</a:t>
+            </a:r>
           </a:p>
         </p:txBody>
       </p:sp>

--- a/docs/Presentations/Milestone1Presentation_v1.pptx
+++ b/docs/Presentations/Milestone1Presentation_v1.pptx
@@ -10,15 +10,19 @@
     <p:sldId id="266" r:id="rId4"/>
     <p:sldId id="267" r:id="rId5"/>
     <p:sldId id="258" r:id="rId6"/>
-    <p:sldId id="265" r:id="rId7"/>
-    <p:sldId id="268" r:id="rId8"/>
-    <p:sldId id="259" r:id="rId9"/>
-    <p:sldId id="260" r:id="rId10"/>
-    <p:sldId id="261" r:id="rId11"/>
-    <p:sldId id="264" r:id="rId12"/>
-    <p:sldId id="269" r:id="rId13"/>
-    <p:sldId id="262" r:id="rId14"/>
-    <p:sldId id="263" r:id="rId15"/>
+    <p:sldId id="273" r:id="rId7"/>
+    <p:sldId id="270" r:id="rId8"/>
+    <p:sldId id="272" r:id="rId9"/>
+    <p:sldId id="275" r:id="rId10"/>
+    <p:sldId id="265" r:id="rId11"/>
+    <p:sldId id="268" r:id="rId12"/>
+    <p:sldId id="259" r:id="rId13"/>
+    <p:sldId id="260" r:id="rId14"/>
+    <p:sldId id="261" r:id="rId15"/>
+    <p:sldId id="264" r:id="rId16"/>
+    <p:sldId id="269" r:id="rId17"/>
+    <p:sldId id="262" r:id="rId18"/>
+    <p:sldId id="263" r:id="rId19"/>
   </p:sldIdLst>
   <p:sldSz cx="9144000" cy="6858000" type="screen4x3"/>
   <p:notesSz cx="6858000" cy="9144000"/>
@@ -308,7 +312,7 @@
           <a:p>
             <a:fld id="{C8A432C8-69A7-458B-9684-2BFA64B31948}" type="datetime2">
               <a:rPr lang="en-US" smtClean="0"/>
-              <a:t>Wednesday, March 4, 15</a:t>
+              <a:t>Thursday, March 05, 2015</a:t>
             </a:fld>
             <a:endParaRPr lang="en-US" dirty="0"/>
           </a:p>
@@ -510,7 +514,7 @@
           <a:p>
             <a:fld id="{8CC057FC-95B6-4D89-AFDA-ABA33EE921E5}" type="datetime2">
               <a:rPr lang="en-US" smtClean="0"/>
-              <a:t>Wednesday, March 4, 15</a:t>
+              <a:t>Thursday, March 05, 2015</a:t>
             </a:fld>
             <a:endParaRPr lang="en-US" dirty="0"/>
           </a:p>
@@ -687,7 +691,7 @@
           <a:p>
             <a:fld id="{EC4549AC-EB31-477F-92A9-B1988E232878}" type="datetime2">
               <a:rPr lang="en-US" smtClean="0"/>
-              <a:t>Wednesday, March 4, 15</a:t>
+              <a:t>Thursday, March 05, 2015</a:t>
             </a:fld>
             <a:endParaRPr lang="en-US" dirty="0"/>
           </a:p>
@@ -854,7 +858,7 @@
           <a:p>
             <a:fld id="{6396A3A3-94A6-4E5B-AF39-173ACA3E61CC}" type="datetime2">
               <a:rPr lang="en-US" smtClean="0"/>
-              <a:t>Wednesday, March 4, 15</a:t>
+              <a:t>Thursday, March 05, 2015</a:t>
             </a:fld>
             <a:endParaRPr lang="en-US" dirty="0"/>
           </a:p>
@@ -1104,7 +1108,7 @@
           <a:p>
             <a:fld id="{9933D019-A32C-4EAD-B8E6-DBDA699692FD}" type="datetime2">
               <a:rPr lang="en-US" smtClean="0"/>
-              <a:t>Wednesday, March 4, 15</a:t>
+              <a:t>Thursday, March 05, 2015</a:t>
             </a:fld>
             <a:endParaRPr lang="en-US" dirty="0"/>
           </a:p>
@@ -1424,7 +1428,7 @@
           <a:p>
             <a:fld id="{CCEBA98F-560C-4997-81C4-81D4D9187EAB}" type="datetime2">
               <a:rPr lang="en-US" smtClean="0"/>
-              <a:t>Wednesday, March 4, 15</a:t>
+              <a:t>Thursday, March 05, 2015</a:t>
             </a:fld>
             <a:endParaRPr lang="en-US" dirty="0"/>
           </a:p>
@@ -1892,7 +1896,7 @@
           <a:p>
             <a:fld id="{150972B2-CA5C-437D-87D0-8081271A9E4B}" type="datetime2">
               <a:rPr lang="en-US" smtClean="0"/>
-              <a:t>Wednesday, March 4, 15</a:t>
+              <a:t>Thursday, March 05, 2015</a:t>
             </a:fld>
             <a:endParaRPr lang="en-US" dirty="0"/>
           </a:p>
@@ -2042,7 +2046,7 @@
           <a:p>
             <a:fld id="{79CD4847-11EF-4466-A8AD-85CDB7B49118}" type="datetime2">
               <a:rPr lang="en-US" smtClean="0"/>
-              <a:t>Wednesday, March 4, 15</a:t>
+              <a:t>Thursday, March 05, 2015</a:t>
             </a:fld>
             <a:endParaRPr lang="en-US" dirty="0"/>
           </a:p>
@@ -2134,7 +2138,7 @@
           <a:p>
             <a:fld id="{F168457A-3AB9-4880-8A0C-9F8524491207}" type="datetime2">
               <a:rPr lang="en-US" smtClean="0"/>
-              <a:t>Wednesday, March 4, 15</a:t>
+              <a:t>Thursday, March 05, 2015</a:t>
             </a:fld>
             <a:endParaRPr lang="en-US" dirty="0"/>
           </a:p>
@@ -2410,7 +2414,7 @@
           <a:p>
             <a:fld id="{3FE976D3-5B7F-4300-ABED-C91F1B2AE209}" type="datetime2">
               <a:rPr lang="en-US" smtClean="0"/>
-              <a:t>Wednesday, March 4, 15</a:t>
+              <a:t>Thursday, March 05, 2015</a:t>
             </a:fld>
             <a:endParaRPr lang="en-US" dirty="0"/>
           </a:p>
@@ -2717,7 +2721,7 @@
           <a:p>
             <a:fld id="{EBDC1E59-17DD-41CE-97CA-624A472382D4}" type="datetime2">
               <a:rPr lang="en-US" smtClean="0"/>
-              <a:t>Wednesday, March 4, 15</a:t>
+              <a:t>Thursday, March 05, 2015</a:t>
             </a:fld>
             <a:endParaRPr lang="en-US" dirty="0"/>
           </a:p>
@@ -3017,7 +3021,7 @@
           <a:p>
             <a:fld id="{A80CB818-7379-467D-8E76-EF9D9074A26C}" type="datetime2">
               <a:rPr lang="en-US" smtClean="0"/>
-              <a:t>Wednesday, March 4, 15</a:t>
+              <a:t>Thursday, March 05, 2015</a:t>
             </a:fld>
             <a:endParaRPr lang="en-US" dirty="0"/>
           </a:p>
@@ -3426,7 +3430,7 @@
           <p:nvPr/>
         </p:nvPicPr>
         <p:blipFill>
-          <a:blip r:embed="rId2" cstate="print">
+          <a:blip r:embed="rId2" cstate="email">
             <a:extLst>
               <a:ext uri="{28A0092B-C50C-407E-A947-70E740481C1C}">
                 <a14:useLocalDpi xmlns:a14="http://schemas.microsoft.com/office/drawing/2010/main" val="0"/>
@@ -3616,7 +3620,7 @@
           <p:nvPr/>
         </p:nvPicPr>
         <p:blipFill>
-          <a:blip r:embed="rId3">
+          <a:blip r:embed="rId3" cstate="email">
             <a:extLst>
               <a:ext uri="{28A0092B-C50C-407E-A947-70E740481C1C}">
                 <a14:useLocalDpi xmlns:a14="http://schemas.microsoft.com/office/drawing/2010/main" val="0"/>
@@ -3688,1225 +3692,17 @@
   <p:clrMapOvr>
     <a:masterClrMapping/>
   </p:clrMapOvr>
+  <p:timing>
+    <p:tnLst>
+      <p:par>
+        <p:cTn id="1" dur="indefinite" restart="never" nodeType="tmRoot"/>
+      </p:par>
+    </p:tnLst>
+  </p:timing>
 </p:sld>
 </file>
 
 <file path=ppt/slides/slide10.xml><?xml version="1.0" encoding="utf-8"?>
-<p:sld xmlns:a="http://schemas.openxmlformats.org/drawingml/2006/main" xmlns:r="http://schemas.openxmlformats.org/officeDocument/2006/relationships" xmlns:p="http://schemas.openxmlformats.org/presentationml/2006/main">
-  <p:cSld>
-    <p:spTree>
-      <p:nvGrpSpPr>
-        <p:cNvPr id="1" name=""/>
-        <p:cNvGrpSpPr/>
-        <p:nvPr/>
-      </p:nvGrpSpPr>
-      <p:grpSpPr>
-        <a:xfrm>
-          <a:off x="0" y="0"/>
-          <a:ext cx="0" cy="0"/>
-          <a:chOff x="0" y="0"/>
-          <a:chExt cx="0" cy="0"/>
-        </a:xfrm>
-      </p:grpSpPr>
-      <p:sp>
-        <p:nvSpPr>
-          <p:cNvPr id="2" name="Title 1"/>
-          <p:cNvSpPr>
-            <a:spLocks noGrp="1"/>
-          </p:cNvSpPr>
-          <p:nvPr>
-            <p:ph type="title"/>
-          </p:nvPr>
-        </p:nvSpPr>
-        <p:spPr/>
-        <p:txBody>
-          <a:bodyPr/>
-          <a:lstStyle/>
-          <a:p>
-            <a:r>
-              <a:rPr lang="en-US" dirty="0" smtClean="0"/>
-              <a:t>Front End</a:t>
-            </a:r>
-            <a:endParaRPr lang="en-US" dirty="0"/>
-          </a:p>
-        </p:txBody>
-      </p:sp>
-      <p:sp>
-        <p:nvSpPr>
-          <p:cNvPr id="3" name="Content Placeholder 2"/>
-          <p:cNvSpPr>
-            <a:spLocks noGrp="1"/>
-          </p:cNvSpPr>
-          <p:nvPr>
-            <p:ph idx="1"/>
-          </p:nvPr>
-        </p:nvSpPr>
-        <p:spPr/>
-        <p:txBody>
-          <a:bodyPr/>
-          <a:lstStyle/>
-          <a:p>
-            <a:endParaRPr lang="en-US" dirty="0"/>
-          </a:p>
-        </p:txBody>
-      </p:sp>
-    </p:spTree>
-    <p:extLst>
-      <p:ext uri="{BB962C8B-B14F-4D97-AF65-F5344CB8AC3E}">
-        <p14:creationId xmlns:p14="http://schemas.microsoft.com/office/powerpoint/2010/main" val="831731777"/>
-      </p:ext>
-    </p:extLst>
-  </p:cSld>
-  <p:clrMapOvr>
-    <a:masterClrMapping/>
-  </p:clrMapOvr>
-</p:sld>
-</file>
-
-<file path=ppt/slides/slide11.xml><?xml version="1.0" encoding="utf-8"?>
-<p:sld xmlns:a="http://schemas.openxmlformats.org/drawingml/2006/main" xmlns:r="http://schemas.openxmlformats.org/officeDocument/2006/relationships" xmlns:p="http://schemas.openxmlformats.org/presentationml/2006/main">
-  <p:cSld>
-    <p:spTree>
-      <p:nvGrpSpPr>
-        <p:cNvPr id="1" name=""/>
-        <p:cNvGrpSpPr/>
-        <p:nvPr/>
-      </p:nvGrpSpPr>
-      <p:grpSpPr>
-        <a:xfrm>
-          <a:off x="0" y="0"/>
-          <a:ext cx="0" cy="0"/>
-          <a:chOff x="0" y="0"/>
-          <a:chExt cx="0" cy="0"/>
-        </a:xfrm>
-      </p:grpSpPr>
-      <p:sp>
-        <p:nvSpPr>
-          <p:cNvPr id="2" name="Title 1"/>
-          <p:cNvSpPr>
-            <a:spLocks noGrp="1"/>
-          </p:cNvSpPr>
-          <p:nvPr>
-            <p:ph type="title"/>
-          </p:nvPr>
-        </p:nvSpPr>
-        <p:spPr/>
-        <p:txBody>
-          <a:bodyPr/>
-          <a:lstStyle/>
-          <a:p>
-            <a:r>
-              <a:rPr lang="en-US" dirty="0" smtClean="0"/>
-              <a:t>Project Risks</a:t>
-            </a:r>
-            <a:endParaRPr lang="en-US" dirty="0"/>
-          </a:p>
-        </p:txBody>
-      </p:sp>
-      <p:sp>
-        <p:nvSpPr>
-          <p:cNvPr id="3" name="Content Placeholder 2"/>
-          <p:cNvSpPr>
-            <a:spLocks noGrp="1"/>
-          </p:cNvSpPr>
-          <p:nvPr>
-            <p:ph idx="1"/>
-          </p:nvPr>
-        </p:nvSpPr>
-        <p:spPr/>
-        <p:txBody>
-          <a:bodyPr>
-            <a:normAutofit fontScale="92500" lnSpcReduction="10000"/>
-          </a:bodyPr>
-          <a:lstStyle/>
-          <a:p>
-            <a:pPr marL="0" indent="0">
-              <a:buNone/>
-            </a:pPr>
-            <a:r>
-              <a:rPr lang="en-US" dirty="0" smtClean="0"/>
-              <a:t>Risks</a:t>
-            </a:r>
-          </a:p>
-          <a:p>
-            <a:pPr lvl="1"/>
-            <a:r>
-              <a:rPr lang="en-US" dirty="0" smtClean="0"/>
-              <a:t>Integration with other teams</a:t>
-            </a:r>
-          </a:p>
-          <a:p>
-            <a:pPr lvl="2"/>
-            <a:r>
-              <a:rPr lang="en-US" dirty="0" smtClean="0"/>
-              <a:t>Design meetings with other teams planned</a:t>
-            </a:r>
-          </a:p>
-          <a:p>
-            <a:pPr lvl="1"/>
-            <a:endParaRPr lang="en-US" dirty="0" smtClean="0"/>
-          </a:p>
-          <a:p>
-            <a:pPr lvl="1"/>
-            <a:r>
-              <a:rPr lang="en-US" dirty="0" smtClean="0"/>
-              <a:t>Stories take longer that estimated</a:t>
-            </a:r>
-          </a:p>
-          <a:p>
-            <a:pPr lvl="2"/>
-            <a:r>
-              <a:rPr lang="en-US" dirty="0" smtClean="0"/>
-              <a:t>Keep a burn-up chart and prioritize stories</a:t>
-            </a:r>
-          </a:p>
-          <a:p>
-            <a:pPr lvl="1"/>
-            <a:endParaRPr lang="en-US" dirty="0" smtClean="0"/>
-          </a:p>
-          <a:p>
-            <a:pPr lvl="1"/>
-            <a:r>
-              <a:rPr lang="en-US" dirty="0" smtClean="0"/>
-              <a:t>Getting of Good Test Data</a:t>
-            </a:r>
-          </a:p>
-          <a:p>
-            <a:pPr lvl="2"/>
-            <a:r>
-              <a:rPr lang="en-US" dirty="0" smtClean="0"/>
-              <a:t>Professor and TA may be able to get more</a:t>
-            </a:r>
-          </a:p>
-          <a:p>
-            <a:endParaRPr lang="en-US" dirty="0" smtClean="0"/>
-          </a:p>
-          <a:p>
-            <a:r>
-              <a:rPr lang="en-US" dirty="0" smtClean="0"/>
-              <a:t>Testing Strategy</a:t>
-            </a:r>
-          </a:p>
-          <a:p>
-            <a:pPr lvl="1"/>
-            <a:r>
-              <a:rPr lang="en-US" dirty="0" smtClean="0"/>
-              <a:t>Test Driven Design</a:t>
-            </a:r>
-          </a:p>
-          <a:p>
-            <a:pPr lvl="1"/>
-            <a:r>
-              <a:rPr lang="en-US" dirty="0" smtClean="0"/>
-              <a:t>Joint</a:t>
-            </a:r>
-          </a:p>
-          <a:p>
-            <a:pPr lvl="1"/>
-            <a:r>
-              <a:rPr lang="en-US" dirty="0" smtClean="0"/>
-              <a:t>Frontend TBD</a:t>
-            </a:r>
-            <a:endParaRPr lang="en-US" dirty="0" smtClean="0"/>
-          </a:p>
-        </p:txBody>
-      </p:sp>
-    </p:spTree>
-    <p:extLst>
-      <p:ext uri="{BB962C8B-B14F-4D97-AF65-F5344CB8AC3E}">
-        <p14:creationId xmlns:p14="http://schemas.microsoft.com/office/powerpoint/2010/main" val="4258234684"/>
-      </p:ext>
-    </p:extLst>
-  </p:cSld>
-  <p:clrMapOvr>
-    <a:masterClrMapping/>
-  </p:clrMapOvr>
-</p:sld>
-</file>
-
-<file path=ppt/slides/slide12.xml><?xml version="1.0" encoding="utf-8"?>
-<p:sld xmlns:a="http://schemas.openxmlformats.org/drawingml/2006/main" xmlns:r="http://schemas.openxmlformats.org/officeDocument/2006/relationships" xmlns:p="http://schemas.openxmlformats.org/presentationml/2006/main">
-  <p:cSld>
-    <p:spTree>
-      <p:nvGrpSpPr>
-        <p:cNvPr id="1" name=""/>
-        <p:cNvGrpSpPr/>
-        <p:nvPr/>
-      </p:nvGrpSpPr>
-      <p:grpSpPr>
-        <a:xfrm>
-          <a:off x="0" y="0"/>
-          <a:ext cx="0" cy="0"/>
-          <a:chOff x="0" y="0"/>
-          <a:chExt cx="0" cy="0"/>
-        </a:xfrm>
-      </p:grpSpPr>
-      <p:sp>
-        <p:nvSpPr>
-          <p:cNvPr id="2" name="Title 1"/>
-          <p:cNvSpPr>
-            <a:spLocks noGrp="1"/>
-          </p:cNvSpPr>
-          <p:nvPr>
-            <p:ph type="title"/>
-          </p:nvPr>
-        </p:nvSpPr>
-        <p:spPr/>
-        <p:txBody>
-          <a:bodyPr/>
-          <a:lstStyle/>
-          <a:p>
-            <a:r>
-              <a:rPr lang="en-US" dirty="0" smtClean="0"/>
-              <a:t>Project </a:t>
-            </a:r>
-            <a:r>
-              <a:rPr lang="en-US" dirty="0" smtClean="0"/>
-              <a:t>Planning – Team / Tools</a:t>
-            </a:r>
-            <a:endParaRPr lang="en-US" dirty="0"/>
-          </a:p>
-        </p:txBody>
-      </p:sp>
-      <p:sp>
-        <p:nvSpPr>
-          <p:cNvPr id="3" name="Content Placeholder 2"/>
-          <p:cNvSpPr>
-            <a:spLocks noGrp="1"/>
-          </p:cNvSpPr>
-          <p:nvPr>
-            <p:ph idx="1"/>
-          </p:nvPr>
-        </p:nvSpPr>
-        <p:spPr/>
-        <p:txBody>
-          <a:bodyPr/>
-          <a:lstStyle/>
-          <a:p>
-            <a:pPr marL="0" indent="0">
-              <a:buNone/>
-            </a:pPr>
-            <a:r>
-              <a:rPr lang="en-US" dirty="0" smtClean="0"/>
-              <a:t>Division of Labor</a:t>
-            </a:r>
-          </a:p>
-          <a:p>
-            <a:pPr lvl="1"/>
-            <a:r>
-              <a:rPr lang="en-US" dirty="0" smtClean="0"/>
-              <a:t>3 People specializing in Front End work</a:t>
-            </a:r>
-          </a:p>
-          <a:p>
-            <a:pPr lvl="1"/>
-            <a:r>
-              <a:rPr lang="en-US" dirty="0" smtClean="0"/>
-              <a:t>2 People specializing in Back End work</a:t>
-            </a:r>
-          </a:p>
-          <a:p>
-            <a:pPr lvl="1"/>
-            <a:endParaRPr lang="en-US" dirty="0" smtClean="0"/>
-          </a:p>
-          <a:p>
-            <a:pPr lvl="1"/>
-            <a:endParaRPr lang="en-US" dirty="0" smtClean="0"/>
-          </a:p>
-          <a:p>
-            <a:pPr marL="0" indent="0">
-              <a:buNone/>
-            </a:pPr>
-            <a:r>
-              <a:rPr lang="en-US" dirty="0" smtClean="0"/>
-              <a:t>Collaborative Tools</a:t>
-            </a:r>
-          </a:p>
-          <a:p>
-            <a:pPr lvl="1"/>
-            <a:r>
-              <a:rPr lang="en-US" dirty="0" smtClean="0"/>
-              <a:t>Slack (messaging)</a:t>
-            </a:r>
-          </a:p>
-          <a:p>
-            <a:pPr lvl="1"/>
-            <a:r>
-              <a:rPr lang="en-US" dirty="0" smtClean="0"/>
-              <a:t>Git</a:t>
-            </a:r>
-            <a:r>
-              <a:rPr lang="en-US" dirty="0" smtClean="0"/>
-              <a:t> Hub Repository</a:t>
-            </a:r>
-          </a:p>
-          <a:p>
-            <a:pPr lvl="1"/>
-            <a:r>
-              <a:rPr lang="en-US" dirty="0" smtClean="0"/>
-              <a:t>JIRA</a:t>
-            </a:r>
-            <a:endParaRPr lang="en-US" dirty="0" smtClean="0"/>
-          </a:p>
-          <a:p>
-            <a:endParaRPr lang="en-US" dirty="0" smtClean="0"/>
-          </a:p>
-        </p:txBody>
-      </p:sp>
-    </p:spTree>
-    <p:extLst>
-      <p:ext uri="{BB962C8B-B14F-4D97-AF65-F5344CB8AC3E}">
-        <p14:creationId xmlns:p14="http://schemas.microsoft.com/office/powerpoint/2010/main" val="1096911352"/>
-      </p:ext>
-    </p:extLst>
-  </p:cSld>
-  <p:clrMapOvr>
-    <a:masterClrMapping/>
-  </p:clrMapOvr>
-</p:sld>
-</file>
-
-<file path=ppt/slides/slide13.xml><?xml version="1.0" encoding="utf-8"?>
-<p:sld xmlns:a="http://schemas.openxmlformats.org/drawingml/2006/main" xmlns:r="http://schemas.openxmlformats.org/officeDocument/2006/relationships" xmlns:p="http://schemas.openxmlformats.org/presentationml/2006/main">
-  <p:cSld>
-    <p:spTree>
-      <p:nvGrpSpPr>
-        <p:cNvPr id="1" name=""/>
-        <p:cNvGrpSpPr/>
-        <p:nvPr/>
-      </p:nvGrpSpPr>
-      <p:grpSpPr>
-        <a:xfrm>
-          <a:off x="0" y="0"/>
-          <a:ext cx="0" cy="0"/>
-          <a:chOff x="0" y="0"/>
-          <a:chExt cx="0" cy="0"/>
-        </a:xfrm>
-      </p:grpSpPr>
-      <p:sp>
-        <p:nvSpPr>
-          <p:cNvPr id="2" name="Title 1"/>
-          <p:cNvSpPr>
-            <a:spLocks noGrp="1"/>
-          </p:cNvSpPr>
-          <p:nvPr>
-            <p:ph type="title"/>
-          </p:nvPr>
-        </p:nvSpPr>
-        <p:spPr/>
-        <p:txBody>
-          <a:bodyPr/>
-          <a:lstStyle/>
-          <a:p>
-            <a:r>
-              <a:rPr lang="en-US" dirty="0" smtClean="0"/>
-              <a:t>Project Planning</a:t>
-            </a:r>
-            <a:endParaRPr lang="en-US" dirty="0"/>
-          </a:p>
-        </p:txBody>
-      </p:sp>
-      <p:sp>
-        <p:nvSpPr>
-          <p:cNvPr id="3" name="Content Placeholder 2"/>
-          <p:cNvSpPr>
-            <a:spLocks noGrp="1"/>
-          </p:cNvSpPr>
-          <p:nvPr>
-            <p:ph idx="1"/>
-          </p:nvPr>
-        </p:nvSpPr>
-        <p:spPr/>
-        <p:txBody>
-          <a:bodyPr/>
-          <a:lstStyle/>
-          <a:p>
-            <a:r>
-              <a:rPr lang="en-US" dirty="0" smtClean="0"/>
-              <a:t>10 Iterations</a:t>
-            </a:r>
-            <a:endParaRPr lang="en-US" dirty="0" smtClean="0"/>
-          </a:p>
-          <a:p>
-            <a:r>
-              <a:rPr lang="en-US" dirty="0" smtClean="0"/>
-              <a:t>360 Story Points (Project Estimate 720 Hours)</a:t>
-            </a:r>
-          </a:p>
-          <a:p>
-            <a:r>
-              <a:rPr lang="en-US" dirty="0" smtClean="0"/>
-              <a:t>Burn-up Calculated weekly</a:t>
-            </a:r>
-            <a:endParaRPr lang="en-US" dirty="0" smtClean="0"/>
-          </a:p>
-          <a:p>
-            <a:endParaRPr lang="en-US" dirty="0" smtClean="0"/>
-          </a:p>
-        </p:txBody>
-      </p:sp>
-      <p:pic>
-        <p:nvPicPr>
-          <p:cNvPr id="4" name="Picture 3" descr="BurnUpChart.png"/>
-          <p:cNvPicPr>
-            <a:picLocks noChangeAspect="1"/>
-          </p:cNvPicPr>
-          <p:nvPr/>
-        </p:nvPicPr>
-        <p:blipFill>
-          <a:blip r:embed="rId2">
-            <a:extLst>
-              <a:ext uri="{28A0092B-C50C-407E-A947-70E740481C1C}">
-                <a14:useLocalDpi xmlns:a14="http://schemas.microsoft.com/office/drawing/2010/main" val="0"/>
-              </a:ext>
-            </a:extLst>
-          </a:blip>
-          <a:stretch>
-            <a:fillRect/>
-          </a:stretch>
-        </p:blipFill>
-        <p:spPr>
-          <a:xfrm>
-            <a:off x="1701800" y="3225800"/>
-            <a:ext cx="5504688" cy="2761488"/>
-          </a:xfrm>
-          <a:prstGeom prst="rect">
-            <a:avLst/>
-          </a:prstGeom>
-        </p:spPr>
-      </p:pic>
-    </p:spTree>
-    <p:extLst>
-      <p:ext uri="{BB962C8B-B14F-4D97-AF65-F5344CB8AC3E}">
-        <p14:creationId xmlns:p14="http://schemas.microsoft.com/office/powerpoint/2010/main" val="3210332075"/>
-      </p:ext>
-    </p:extLst>
-  </p:cSld>
-  <p:clrMapOvr>
-    <a:masterClrMapping/>
-  </p:clrMapOvr>
-</p:sld>
-</file>
-
-<file path=ppt/slides/slide14.xml><?xml version="1.0" encoding="utf-8"?>
-<p:sld xmlns:a="http://schemas.openxmlformats.org/drawingml/2006/main" xmlns:r="http://schemas.openxmlformats.org/officeDocument/2006/relationships" xmlns:p="http://schemas.openxmlformats.org/presentationml/2006/main">
-  <p:cSld>
-    <p:spTree>
-      <p:nvGrpSpPr>
-        <p:cNvPr id="1" name=""/>
-        <p:cNvGrpSpPr/>
-        <p:nvPr/>
-      </p:nvGrpSpPr>
-      <p:grpSpPr>
-        <a:xfrm>
-          <a:off x="0" y="0"/>
-          <a:ext cx="0" cy="0"/>
-          <a:chOff x="0" y="0"/>
-          <a:chExt cx="0" cy="0"/>
-        </a:xfrm>
-      </p:grpSpPr>
-      <p:sp>
-        <p:nvSpPr>
-          <p:cNvPr id="2" name="Title 1"/>
-          <p:cNvSpPr>
-            <a:spLocks noGrp="1"/>
-          </p:cNvSpPr>
-          <p:nvPr>
-            <p:ph type="title"/>
-          </p:nvPr>
-        </p:nvSpPr>
-        <p:spPr/>
-        <p:txBody>
-          <a:bodyPr/>
-          <a:lstStyle/>
-          <a:p>
-            <a:r>
-              <a:rPr lang="en-US" dirty="0" smtClean="0"/>
-              <a:t>Key Milestones</a:t>
-            </a:r>
-            <a:endParaRPr lang="en-US" dirty="0"/>
-          </a:p>
-        </p:txBody>
-      </p:sp>
-      <p:sp>
-        <p:nvSpPr>
-          <p:cNvPr id="3" name="Content Placeholder 2"/>
-          <p:cNvSpPr>
-            <a:spLocks noGrp="1"/>
-          </p:cNvSpPr>
-          <p:nvPr>
-            <p:ph idx="1"/>
-          </p:nvPr>
-        </p:nvSpPr>
-        <p:spPr/>
-        <p:txBody>
-          <a:bodyPr>
-            <a:normAutofit fontScale="92500" lnSpcReduction="10000"/>
-          </a:bodyPr>
-          <a:lstStyle/>
-          <a:p>
-            <a:r>
-              <a:rPr lang="en-US" dirty="0" smtClean="0"/>
-              <a:t>Milestone 2 </a:t>
-            </a:r>
-            <a:r>
-              <a:rPr lang="en-US" dirty="0" smtClean="0"/>
-              <a:t>Deliverables</a:t>
-            </a:r>
-          </a:p>
-          <a:p>
-            <a:pPr lvl="1"/>
-            <a:r>
-              <a:rPr lang="en-US" dirty="0" smtClean="0"/>
-              <a:t>Screen </a:t>
-            </a:r>
-            <a:r>
-              <a:rPr lang="en-US" dirty="0" smtClean="0"/>
-              <a:t>Process Flow</a:t>
-            </a:r>
-          </a:p>
-          <a:p>
-            <a:pPr lvl="1"/>
-            <a:r>
-              <a:rPr lang="en-US" dirty="0" smtClean="0"/>
-              <a:t>Domain Model</a:t>
-            </a:r>
-            <a:endParaRPr lang="en-US" dirty="0" smtClean="0"/>
-          </a:p>
-          <a:p>
-            <a:pPr lvl="1"/>
-            <a:r>
-              <a:rPr lang="en-US" dirty="0" smtClean="0"/>
-              <a:t>Web Service Interfaces</a:t>
-            </a:r>
-          </a:p>
-          <a:p>
-            <a:pPr lvl="1"/>
-            <a:r>
-              <a:rPr lang="en-US" dirty="0" smtClean="0"/>
-              <a:t>Plate Map Editor</a:t>
-            </a:r>
-          </a:p>
-          <a:p>
-            <a:pPr lvl="1"/>
-            <a:r>
-              <a:rPr lang="en-US" dirty="0" smtClean="0"/>
-              <a:t>Web Services for Plate Editor</a:t>
-            </a:r>
-          </a:p>
-          <a:p>
-            <a:pPr lvl="1"/>
-            <a:r>
-              <a:rPr lang="en-US" dirty="0" smtClean="0"/>
-              <a:t>Web Services for QC Results</a:t>
-            </a:r>
-          </a:p>
-          <a:p>
-            <a:pPr lvl="1"/>
-            <a:r>
-              <a:rPr lang="en-US" dirty="0" smtClean="0"/>
-              <a:t>Heat Maps </a:t>
-            </a:r>
-          </a:p>
-          <a:p>
-            <a:pPr lvl="1"/>
-            <a:r>
-              <a:rPr lang="en-US" dirty="0" smtClean="0"/>
-              <a:t>QC Plates / Experiments </a:t>
-            </a:r>
-          </a:p>
-          <a:p>
-            <a:pPr lvl="1"/>
-            <a:endParaRPr lang="en-US" dirty="0" smtClean="0"/>
-          </a:p>
-          <a:p>
-            <a:r>
-              <a:rPr lang="en-US" dirty="0" smtClean="0"/>
-              <a:t>Milestone 3 </a:t>
-            </a:r>
-            <a:r>
-              <a:rPr lang="en-US" dirty="0" smtClean="0"/>
-              <a:t>Deliverables</a:t>
-            </a:r>
-          </a:p>
-          <a:p>
-            <a:pPr lvl="1"/>
-            <a:r>
-              <a:rPr lang="en-US" dirty="0" smtClean="0"/>
-              <a:t>Interactive Analysis</a:t>
-            </a:r>
-            <a:endParaRPr lang="en-US" dirty="0" smtClean="0"/>
-          </a:p>
-          <a:p>
-            <a:pPr lvl="1"/>
-            <a:r>
-              <a:rPr lang="en-US" dirty="0" smtClean="0"/>
-              <a:t>Interactive Dose Response Analysis</a:t>
-            </a:r>
-          </a:p>
-          <a:p>
-            <a:pPr lvl="1"/>
-            <a:r>
-              <a:rPr lang="en-US" dirty="0" smtClean="0"/>
-              <a:t>Save or Publish</a:t>
-            </a:r>
-            <a:endParaRPr lang="en-US" dirty="0"/>
-          </a:p>
-        </p:txBody>
-      </p:sp>
-    </p:spTree>
-    <p:extLst>
-      <p:ext uri="{BB962C8B-B14F-4D97-AF65-F5344CB8AC3E}">
-        <p14:creationId xmlns:p14="http://schemas.microsoft.com/office/powerpoint/2010/main" val="1815632258"/>
-      </p:ext>
-    </p:extLst>
-  </p:cSld>
-  <p:clrMapOvr>
-    <a:masterClrMapping/>
-  </p:clrMapOvr>
-</p:sld>
-</file>
-
-<file path=ppt/slides/slide2.xml><?xml version="1.0" encoding="utf-8"?>
-<p:sld xmlns:a="http://schemas.openxmlformats.org/drawingml/2006/main" xmlns:r="http://schemas.openxmlformats.org/officeDocument/2006/relationships" xmlns:p="http://schemas.openxmlformats.org/presentationml/2006/main">
-  <p:cSld>
-    <p:spTree>
-      <p:nvGrpSpPr>
-        <p:cNvPr id="1" name=""/>
-        <p:cNvGrpSpPr/>
-        <p:nvPr/>
-      </p:nvGrpSpPr>
-      <p:grpSpPr>
-        <a:xfrm>
-          <a:off x="0" y="0"/>
-          <a:ext cx="0" cy="0"/>
-          <a:chOff x="0" y="0"/>
-          <a:chExt cx="0" cy="0"/>
-        </a:xfrm>
-      </p:grpSpPr>
-      <p:sp>
-        <p:nvSpPr>
-          <p:cNvPr id="2" name="Title 1"/>
-          <p:cNvSpPr>
-            <a:spLocks noGrp="1"/>
-          </p:cNvSpPr>
-          <p:nvPr>
-            <p:ph type="title"/>
-          </p:nvPr>
-        </p:nvSpPr>
-        <p:spPr/>
-        <p:txBody>
-          <a:bodyPr/>
-          <a:lstStyle/>
-          <a:p>
-            <a:r>
-              <a:rPr lang="en-US" dirty="0" smtClean="0"/>
-              <a:t>WE99 Team Vision</a:t>
-            </a:r>
-            <a:endParaRPr lang="en-US" dirty="0"/>
-          </a:p>
-        </p:txBody>
-      </p:sp>
-      <p:sp>
-        <p:nvSpPr>
-          <p:cNvPr id="3" name="Content Placeholder 2"/>
-          <p:cNvSpPr>
-            <a:spLocks noGrp="1"/>
-          </p:cNvSpPr>
-          <p:nvPr>
-            <p:ph idx="1"/>
-          </p:nvPr>
-        </p:nvSpPr>
-        <p:spPr/>
-        <p:txBody>
-          <a:bodyPr>
-            <a:normAutofit fontScale="70000" lnSpcReduction="20000"/>
-          </a:bodyPr>
-          <a:lstStyle/>
-          <a:p>
-            <a:pPr marL="0" indent="0" algn="ctr">
-              <a:buNone/>
-            </a:pPr>
-            <a:r>
-              <a:rPr lang="en-US" dirty="0" smtClean="0"/>
-              <a:t>The </a:t>
-            </a:r>
-            <a:r>
-              <a:rPr lang="en-US" dirty="0"/>
-              <a:t>team focus is providing outstanding tools to assist in analyzing the dose response characteristics potential drugs.</a:t>
-            </a:r>
-          </a:p>
-          <a:p>
-            <a:pPr marL="0" indent="0" algn="ctr">
-              <a:buNone/>
-            </a:pPr>
-            <a:r>
-              <a:rPr lang="en-US" dirty="0"/>
-              <a:t> </a:t>
-            </a:r>
-          </a:p>
-          <a:p>
-            <a:pPr marL="0" indent="0" algn="ctr">
-              <a:buNone/>
-            </a:pPr>
-            <a:r>
-              <a:rPr lang="en-US" dirty="0"/>
-              <a:t>We will provide beautiful interactive visualization tools that will assist the scientist in:</a:t>
-            </a:r>
-          </a:p>
-          <a:p>
-            <a:pPr marL="0" indent="0" algn="ctr">
-              <a:buNone/>
-            </a:pPr>
-            <a:r>
-              <a:rPr lang="en-US" dirty="0"/>
-              <a:t> </a:t>
-            </a:r>
-          </a:p>
-          <a:p>
-            <a:pPr lvl="0"/>
-            <a:r>
-              <a:rPr lang="en-US" dirty="0"/>
-              <a:t>Creating and managing experimental plate sets for dose response experiments</a:t>
-            </a:r>
-          </a:p>
-          <a:p>
-            <a:pPr lvl="0"/>
-            <a:r>
-              <a:rPr lang="en-US" dirty="0"/>
-              <a:t>Performing quality control checks on plate results and plate controls</a:t>
-            </a:r>
-          </a:p>
-          <a:p>
-            <a:pPr lvl="0"/>
-            <a:r>
-              <a:rPr lang="en-US" dirty="0"/>
-              <a:t>Performing Interactive analysis of dose response results.</a:t>
-            </a:r>
-          </a:p>
-          <a:p>
-            <a:pPr marL="0" indent="0" algn="ctr">
-              <a:buNone/>
-            </a:pPr>
-            <a:r>
-              <a:rPr lang="en-US" dirty="0"/>
-              <a:t> </a:t>
-            </a:r>
-          </a:p>
-          <a:p>
-            <a:pPr marL="0" indent="0" algn="ctr">
-              <a:buNone/>
-            </a:pPr>
-            <a:r>
-              <a:rPr lang="en-US" dirty="0"/>
-              <a:t> </a:t>
-            </a:r>
-          </a:p>
-          <a:p>
-            <a:pPr marL="0" indent="0" algn="ctr">
-              <a:buNone/>
-            </a:pPr>
-            <a:r>
-              <a:rPr lang="en-US" dirty="0"/>
-              <a:t>The team will store the experimental results and the analysis of the results so that the historic experimental analysis can be reviewed or reproduced at any time.</a:t>
-            </a:r>
-          </a:p>
-          <a:p>
-            <a:pPr marL="0" indent="0" algn="ctr">
-              <a:buNone/>
-            </a:pPr>
-            <a:r>
-              <a:rPr lang="en-US" dirty="0"/>
-              <a:t> </a:t>
-            </a:r>
-          </a:p>
-          <a:p>
-            <a:pPr marL="0" indent="0" algn="ctr">
-              <a:buNone/>
-            </a:pPr>
-            <a:r>
-              <a:rPr lang="en-US" dirty="0"/>
-              <a:t>Scientists will be able to save the results for further analysis or publish their analysis, making it available to all other users.</a:t>
-            </a:r>
-          </a:p>
-          <a:p>
-            <a:pPr marL="0" indent="0">
-              <a:buNone/>
-            </a:pPr>
-            <a:endParaRPr lang="en-US" dirty="0"/>
-          </a:p>
-        </p:txBody>
-      </p:sp>
-    </p:spTree>
-    <p:extLst>
-      <p:ext uri="{BB962C8B-B14F-4D97-AF65-F5344CB8AC3E}">
-        <p14:creationId xmlns:p14="http://schemas.microsoft.com/office/powerpoint/2010/main" val="994059251"/>
-      </p:ext>
-    </p:extLst>
-  </p:cSld>
-  <p:clrMapOvr>
-    <a:masterClrMapping/>
-  </p:clrMapOvr>
-</p:sld>
-</file>
-
-<file path=ppt/slides/slide3.xml><?xml version="1.0" encoding="utf-8"?>
-<p:sld xmlns:a="http://schemas.openxmlformats.org/drawingml/2006/main" xmlns:r="http://schemas.openxmlformats.org/officeDocument/2006/relationships" xmlns:p="http://schemas.openxmlformats.org/presentationml/2006/main">
-  <p:cSld>
-    <p:spTree>
-      <p:nvGrpSpPr>
-        <p:cNvPr id="1" name=""/>
-        <p:cNvGrpSpPr/>
-        <p:nvPr/>
-      </p:nvGrpSpPr>
-      <p:grpSpPr>
-        <a:xfrm>
-          <a:off x="0" y="0"/>
-          <a:ext cx="0" cy="0"/>
-          <a:chOff x="0" y="0"/>
-          <a:chExt cx="0" cy="0"/>
-        </a:xfrm>
-      </p:grpSpPr>
-      <p:sp>
-        <p:nvSpPr>
-          <p:cNvPr id="2" name="Title 1"/>
-          <p:cNvSpPr>
-            <a:spLocks noGrp="1"/>
-          </p:cNvSpPr>
-          <p:nvPr>
-            <p:ph type="title"/>
-          </p:nvPr>
-        </p:nvSpPr>
-        <p:spPr/>
-        <p:txBody>
-          <a:bodyPr/>
-          <a:lstStyle/>
-          <a:p>
-            <a:r>
-              <a:rPr lang="en-US" dirty="0" smtClean="0"/>
-              <a:t>Business Opportunity</a:t>
-            </a:r>
-            <a:endParaRPr lang="en-US" dirty="0"/>
-          </a:p>
-        </p:txBody>
-      </p:sp>
-      <p:sp>
-        <p:nvSpPr>
-          <p:cNvPr id="3" name="Content Placeholder 2"/>
-          <p:cNvSpPr>
-            <a:spLocks noGrp="1"/>
-          </p:cNvSpPr>
-          <p:nvPr>
-            <p:ph idx="1"/>
-          </p:nvPr>
-        </p:nvSpPr>
-        <p:spPr/>
-        <p:txBody>
-          <a:bodyPr>
-            <a:normAutofit lnSpcReduction="10000"/>
-          </a:bodyPr>
-          <a:lstStyle/>
-          <a:p>
-            <a:r>
-              <a:rPr lang="en-US" dirty="0" smtClean="0"/>
-              <a:t>High </a:t>
-            </a:r>
-            <a:r>
-              <a:rPr lang="en-US" dirty="0"/>
-              <a:t>throughput screening </a:t>
-            </a:r>
-            <a:r>
-              <a:rPr lang="en-US" dirty="0" smtClean="0"/>
-              <a:t>tests </a:t>
-            </a:r>
-            <a:r>
-              <a:rPr lang="en-US" dirty="0"/>
-              <a:t>millions of potential drugs</a:t>
-            </a:r>
-            <a:r>
-              <a:rPr lang="en-US" dirty="0" smtClean="0"/>
-              <a:t>.</a:t>
-            </a:r>
-          </a:p>
-          <a:p>
-            <a:endParaRPr lang="en-US" dirty="0" smtClean="0"/>
-          </a:p>
-          <a:p>
-            <a:r>
-              <a:rPr lang="en-US" dirty="0" smtClean="0"/>
-              <a:t>Commercial software is expensive</a:t>
-            </a:r>
-          </a:p>
-          <a:p>
-            <a:endParaRPr lang="en-US" dirty="0" smtClean="0"/>
-          </a:p>
-          <a:p>
-            <a:r>
-              <a:rPr lang="en-US" dirty="0" smtClean="0"/>
-              <a:t>E</a:t>
-            </a:r>
-            <a:r>
-              <a:rPr lang="en-US" dirty="0" smtClean="0"/>
-              <a:t>nable Scientists to be </a:t>
-            </a:r>
-            <a:r>
-              <a:rPr lang="en-US" dirty="0"/>
-              <a:t>organized and efficient when screening </a:t>
-            </a:r>
-            <a:r>
-              <a:rPr lang="en-US" dirty="0" smtClean="0"/>
-              <a:t>potential </a:t>
-            </a:r>
-            <a:r>
-              <a:rPr lang="en-US" dirty="0"/>
-              <a:t>drugs. </a:t>
-            </a:r>
-            <a:endParaRPr lang="en-US" dirty="0" smtClean="0"/>
-          </a:p>
-          <a:p>
-            <a:endParaRPr lang="en-US" dirty="0"/>
-          </a:p>
-          <a:p>
-            <a:r>
-              <a:rPr lang="en-US" dirty="0" smtClean="0"/>
-              <a:t>Dynamic analysis tools help reduce the number of experiments.</a:t>
-            </a:r>
-          </a:p>
-          <a:p>
-            <a:endParaRPr lang="en-US" dirty="0" smtClean="0"/>
-          </a:p>
-          <a:p>
-            <a:r>
-              <a:rPr lang="en-US" dirty="0" smtClean="0"/>
-              <a:t>Eliminate </a:t>
-            </a:r>
-            <a:r>
-              <a:rPr lang="en-US" dirty="0"/>
-              <a:t>compounds earlier in the discovery </a:t>
-            </a:r>
-            <a:r>
-              <a:rPr lang="en-US" dirty="0" smtClean="0"/>
-              <a:t>cycle.</a:t>
-            </a:r>
-            <a:endParaRPr lang="en-US" dirty="0"/>
-          </a:p>
-        </p:txBody>
-      </p:sp>
-    </p:spTree>
-    <p:extLst>
-      <p:ext uri="{BB962C8B-B14F-4D97-AF65-F5344CB8AC3E}">
-        <p14:creationId xmlns:p14="http://schemas.microsoft.com/office/powerpoint/2010/main" val="2700570494"/>
-      </p:ext>
-    </p:extLst>
-  </p:cSld>
-  <p:clrMapOvr>
-    <a:masterClrMapping/>
-  </p:clrMapOvr>
-</p:sld>
-</file>
-
-<file path=ppt/slides/slide4.xml><?xml version="1.0" encoding="utf-8"?>
-<p:sld xmlns:a="http://schemas.openxmlformats.org/drawingml/2006/main" xmlns:r="http://schemas.openxmlformats.org/officeDocument/2006/relationships" xmlns:p="http://schemas.openxmlformats.org/presentationml/2006/main">
-  <p:cSld>
-    <p:spTree>
-      <p:nvGrpSpPr>
-        <p:cNvPr id="1" name=""/>
-        <p:cNvGrpSpPr/>
-        <p:nvPr/>
-      </p:nvGrpSpPr>
-      <p:grpSpPr>
-        <a:xfrm>
-          <a:off x="0" y="0"/>
-          <a:ext cx="0" cy="0"/>
-          <a:chOff x="0" y="0"/>
-          <a:chExt cx="0" cy="0"/>
-        </a:xfrm>
-      </p:grpSpPr>
-      <p:sp>
-        <p:nvSpPr>
-          <p:cNvPr id="2" name="Title 1"/>
-          <p:cNvSpPr>
-            <a:spLocks noGrp="1"/>
-          </p:cNvSpPr>
-          <p:nvPr>
-            <p:ph type="title"/>
-          </p:nvPr>
-        </p:nvSpPr>
-        <p:spPr/>
-        <p:txBody>
-          <a:bodyPr/>
-          <a:lstStyle/>
-          <a:p>
-            <a:r>
-              <a:rPr lang="en-US" dirty="0" smtClean="0"/>
-              <a:t>Presentation Outline</a:t>
-            </a:r>
-            <a:endParaRPr lang="en-US" dirty="0"/>
-          </a:p>
-        </p:txBody>
-      </p:sp>
-      <p:sp>
-        <p:nvSpPr>
-          <p:cNvPr id="3" name="Content Placeholder 2"/>
-          <p:cNvSpPr>
-            <a:spLocks noGrp="1"/>
-          </p:cNvSpPr>
-          <p:nvPr>
-            <p:ph idx="1"/>
-          </p:nvPr>
-        </p:nvSpPr>
-        <p:spPr/>
-        <p:txBody>
-          <a:bodyPr/>
-          <a:lstStyle/>
-          <a:p>
-            <a:pPr marL="0" indent="0">
-              <a:buNone/>
-            </a:pPr>
-            <a:r>
-              <a:rPr lang="en-US" dirty="0" smtClean="0"/>
-              <a:t>Overvie</a:t>
-            </a:r>
-            <a:r>
-              <a:rPr lang="en-US" dirty="0" smtClean="0"/>
-              <a:t>w of Presentation</a:t>
-            </a:r>
-            <a:endParaRPr lang="en-US" dirty="0" smtClean="0"/>
-          </a:p>
-          <a:p>
-            <a:pPr marL="0" indent="0">
-              <a:buNone/>
-            </a:pPr>
-            <a:endParaRPr lang="en-US" dirty="0" smtClean="0"/>
-          </a:p>
-          <a:p>
-            <a:r>
-              <a:rPr lang="en-US" dirty="0" smtClean="0"/>
-              <a:t>Plate Editing and Creation – Alex</a:t>
-            </a:r>
-          </a:p>
-          <a:p>
-            <a:r>
-              <a:rPr lang="en-US" dirty="0" smtClean="0"/>
-              <a:t>Results Analysis – Sean</a:t>
-            </a:r>
-          </a:p>
-          <a:p>
-            <a:r>
-              <a:rPr lang="en-US" dirty="0" smtClean="0"/>
-              <a:t>Architecture – Mark</a:t>
-            </a:r>
-          </a:p>
-          <a:p>
-            <a:r>
-              <a:rPr lang="en-US" dirty="0" smtClean="0"/>
-              <a:t>Front End –</a:t>
-            </a:r>
-            <a:r>
-              <a:rPr lang="en-US" dirty="0"/>
-              <a:t> </a:t>
-            </a:r>
-            <a:r>
-              <a:rPr lang="en-US" dirty="0" smtClean="0"/>
-              <a:t>Tim</a:t>
-            </a:r>
-          </a:p>
-          <a:p>
-            <a:r>
-              <a:rPr lang="en-US" dirty="0" smtClean="0"/>
-              <a:t>Project Planning/Estimates - Alan</a:t>
-            </a:r>
-          </a:p>
-        </p:txBody>
-      </p:sp>
-    </p:spTree>
-    <p:extLst>
-      <p:ext uri="{BB962C8B-B14F-4D97-AF65-F5344CB8AC3E}">
-        <p14:creationId xmlns:p14="http://schemas.microsoft.com/office/powerpoint/2010/main" val="187400791"/>
-      </p:ext>
-    </p:extLst>
-  </p:cSld>
-  <p:clrMapOvr>
-    <a:masterClrMapping/>
-  </p:clrMapOvr>
-</p:sld>
-</file>
-
-<file path=ppt/slides/slide5.xml><?xml version="1.0" encoding="utf-8"?>
-<p:sld xmlns:a="http://schemas.openxmlformats.org/drawingml/2006/main" xmlns:r="http://schemas.openxmlformats.org/officeDocument/2006/relationships" xmlns:p="http://schemas.openxmlformats.org/presentationml/2006/main">
-  <p:cSld>
-    <p:spTree>
-      <p:nvGrpSpPr>
-        <p:cNvPr id="1" name=""/>
-        <p:cNvGrpSpPr/>
-        <p:nvPr/>
-      </p:nvGrpSpPr>
-      <p:grpSpPr>
-        <a:xfrm>
-          <a:off x="0" y="0"/>
-          <a:ext cx="0" cy="0"/>
-          <a:chOff x="0" y="0"/>
-          <a:chExt cx="0" cy="0"/>
-        </a:xfrm>
-      </p:grpSpPr>
-      <p:sp>
-        <p:nvSpPr>
-          <p:cNvPr id="2" name="Title 1"/>
-          <p:cNvSpPr>
-            <a:spLocks noGrp="1"/>
-          </p:cNvSpPr>
-          <p:nvPr>
-            <p:ph type="title"/>
-          </p:nvPr>
-        </p:nvSpPr>
-        <p:spPr/>
-        <p:txBody>
-          <a:bodyPr>
-            <a:normAutofit/>
-          </a:bodyPr>
-          <a:lstStyle/>
-          <a:p>
-            <a:r>
-              <a:rPr lang="en-US" sz="3200" dirty="0" smtClean="0"/>
-              <a:t>What “we99” are Delivering – Plate Map Editor</a:t>
-            </a:r>
-            <a:endParaRPr lang="en-US" sz="3200" dirty="0"/>
-          </a:p>
-        </p:txBody>
-      </p:sp>
-      <p:sp>
-        <p:nvSpPr>
-          <p:cNvPr id="3" name="Content Placeholder 2"/>
-          <p:cNvSpPr>
-            <a:spLocks noGrp="1"/>
-          </p:cNvSpPr>
-          <p:nvPr>
-            <p:ph idx="1"/>
-          </p:nvPr>
-        </p:nvSpPr>
-        <p:spPr/>
-        <p:txBody>
-          <a:bodyPr/>
-          <a:lstStyle/>
-          <a:p>
-            <a:endParaRPr lang="en-US" dirty="0"/>
-          </a:p>
-        </p:txBody>
-      </p:sp>
-    </p:spTree>
-    <p:extLst>
-      <p:ext uri="{BB962C8B-B14F-4D97-AF65-F5344CB8AC3E}">
-        <p14:creationId xmlns:p14="http://schemas.microsoft.com/office/powerpoint/2010/main" val="235299588"/>
-      </p:ext>
-    </p:extLst>
-  </p:cSld>
-  <p:clrMapOvr>
-    <a:masterClrMapping/>
-  </p:clrMapOvr>
-</p:sld>
-</file>
-
-<file path=ppt/slides/slide6.xml><?xml version="1.0" encoding="utf-8"?>
 <p:sld xmlns:a="http://schemas.openxmlformats.org/drawingml/2006/main" xmlns:r="http://schemas.openxmlformats.org/officeDocument/2006/relationships" xmlns:p="http://schemas.openxmlformats.org/presentationml/2006/main">
   <p:cSld>
     <p:spTree>
@@ -5000,7 +3796,7 @@
           </a:ln>
           <a:extLst>
             <a:ext uri="{FAA26D3D-D897-4be2-8F04-BA451C77F1D7}">
-              <ma14:placeholderFlag xmlns:ma14="http://schemas.microsoft.com/office/mac/drawingml/2011/main"/>
+              <ma14:placeholderFlag xmlns:ma14="http://schemas.microsoft.com/office/mac/drawingml/2011/main" xmlns=""/>
             </a:ext>
           </a:extLst>
         </p:spPr>
@@ -5038,7 +3834,7 @@
           </a:ln>
           <a:extLst>
             <a:ext uri="{FAA26D3D-D897-4be2-8F04-BA451C77F1D7}">
-              <ma14:placeholderFlag xmlns:ma14="http://schemas.microsoft.com/office/mac/drawingml/2011/main"/>
+              <ma14:placeholderFlag xmlns:ma14="http://schemas.microsoft.com/office/mac/drawingml/2011/main" xmlns=""/>
             </a:ext>
           </a:extLst>
         </p:spPr>
@@ -5053,10 +3849,17 @@
   <p:clrMapOvr>
     <a:masterClrMapping/>
   </p:clrMapOvr>
+  <p:timing>
+    <p:tnLst>
+      <p:par>
+        <p:cTn id="1" dur="indefinite" restart="never" nodeType="tmRoot"/>
+      </p:par>
+    </p:tnLst>
+  </p:timing>
 </p:sld>
 </file>
 
-<file path=ppt/slides/slide7.xml><?xml version="1.0" encoding="utf-8"?>
+<file path=ppt/slides/slide11.xml><?xml version="1.0" encoding="utf-8"?>
 <p:sld xmlns:a="http://schemas.openxmlformats.org/drawingml/2006/main" xmlns:r="http://schemas.openxmlformats.org/officeDocument/2006/relationships" xmlns:p="http://schemas.openxmlformats.org/presentationml/2006/main">
   <p:cSld>
     <p:spTree>
@@ -5160,7 +3963,7 @@
           <p:nvPr/>
         </p:nvPicPr>
         <p:blipFill>
-          <a:blip r:embed="rId3">
+          <a:blip r:embed="rId3" cstate="email">
             <a:extLst>
               <a:ext uri="{28A0092B-C50C-407E-A947-70E740481C1C}">
                 <a14:useLocalDpi xmlns:a14="http://schemas.microsoft.com/office/drawing/2010/main" val="0"/>
@@ -5186,7 +3989,7 @@
           </a:ln>
           <a:extLst>
             <a:ext uri="{FAA26D3D-D897-4be2-8F04-BA451C77F1D7}">
-              <ma14:placeholderFlag xmlns:ma14="http://schemas.microsoft.com/office/mac/drawingml/2011/main"/>
+              <ma14:placeholderFlag xmlns:ma14="http://schemas.microsoft.com/office/mac/drawingml/2011/main" xmlns=""/>
             </a:ext>
           </a:extLst>
         </p:spPr>
@@ -5201,6 +4004,1882 @@
   <p:clrMapOvr>
     <a:masterClrMapping/>
   </p:clrMapOvr>
+  <p:timing>
+    <p:tnLst>
+      <p:par>
+        <p:cTn id="1" dur="indefinite" restart="never" nodeType="tmRoot"/>
+      </p:par>
+    </p:tnLst>
+  </p:timing>
+</p:sld>
+</file>
+
+<file path=ppt/slides/slide12.xml><?xml version="1.0" encoding="utf-8"?>
+<p:sld xmlns:a="http://schemas.openxmlformats.org/drawingml/2006/main" xmlns:r="http://schemas.openxmlformats.org/officeDocument/2006/relationships" xmlns:p="http://schemas.openxmlformats.org/presentationml/2006/main">
+  <p:cSld>
+    <p:spTree>
+      <p:nvGrpSpPr>
+        <p:cNvPr id="1" name=""/>
+        <p:cNvGrpSpPr/>
+        <p:nvPr/>
+      </p:nvGrpSpPr>
+      <p:grpSpPr>
+        <a:xfrm>
+          <a:off x="0" y="0"/>
+          <a:ext cx="0" cy="0"/>
+          <a:chOff x="0" y="0"/>
+          <a:chExt cx="0" cy="0"/>
+        </a:xfrm>
+      </p:grpSpPr>
+      <p:sp>
+        <p:nvSpPr>
+          <p:cNvPr id="2" name="Title 1"/>
+          <p:cNvSpPr>
+            <a:spLocks noGrp="1"/>
+          </p:cNvSpPr>
+          <p:nvPr>
+            <p:ph type="title"/>
+          </p:nvPr>
+        </p:nvSpPr>
+        <p:spPr/>
+        <p:txBody>
+          <a:bodyPr/>
+          <a:lstStyle/>
+          <a:p>
+            <a:r>
+              <a:rPr lang="en-US" dirty="0" smtClean="0"/>
+              <a:t>System Architecture</a:t>
+            </a:r>
+            <a:endParaRPr lang="en-US" dirty="0"/>
+          </a:p>
+        </p:txBody>
+      </p:sp>
+      <p:sp>
+        <p:nvSpPr>
+          <p:cNvPr id="3" name="Content Placeholder 2"/>
+          <p:cNvSpPr>
+            <a:spLocks noGrp="1"/>
+          </p:cNvSpPr>
+          <p:nvPr>
+            <p:ph idx="1"/>
+          </p:nvPr>
+        </p:nvSpPr>
+        <p:spPr/>
+        <p:txBody>
+          <a:bodyPr/>
+          <a:lstStyle/>
+          <a:p>
+            <a:r>
+              <a:rPr lang="en-US" dirty="0" smtClean="0"/>
+              <a:t>Insert Hardware Requirements</a:t>
+            </a:r>
+          </a:p>
+          <a:p>
+            <a:r>
+              <a:rPr lang="en-US" dirty="0" smtClean="0"/>
+              <a:t>Software Requirements / Databases</a:t>
+            </a:r>
+          </a:p>
+          <a:p>
+            <a:r>
+              <a:rPr lang="en-US" dirty="0" smtClean="0"/>
+              <a:t>Diagrams / Design Ideas</a:t>
+            </a:r>
+            <a:endParaRPr lang="en-US" dirty="0"/>
+          </a:p>
+        </p:txBody>
+      </p:sp>
+    </p:spTree>
+    <p:extLst>
+      <p:ext uri="{BB962C8B-B14F-4D97-AF65-F5344CB8AC3E}">
+        <p14:creationId xmlns:p14="http://schemas.microsoft.com/office/powerpoint/2010/main" val="3412289552"/>
+      </p:ext>
+    </p:extLst>
+  </p:cSld>
+  <p:clrMapOvr>
+    <a:masterClrMapping/>
+  </p:clrMapOvr>
+</p:sld>
+</file>
+
+<file path=ppt/slides/slide13.xml><?xml version="1.0" encoding="utf-8"?>
+<p:sld xmlns:a="http://schemas.openxmlformats.org/drawingml/2006/main" xmlns:r="http://schemas.openxmlformats.org/officeDocument/2006/relationships" xmlns:p="http://schemas.openxmlformats.org/presentationml/2006/main">
+  <p:cSld>
+    <p:spTree>
+      <p:nvGrpSpPr>
+        <p:cNvPr id="1" name=""/>
+        <p:cNvGrpSpPr/>
+        <p:nvPr/>
+      </p:nvGrpSpPr>
+      <p:grpSpPr>
+        <a:xfrm>
+          <a:off x="0" y="0"/>
+          <a:ext cx="0" cy="0"/>
+          <a:chOff x="0" y="0"/>
+          <a:chExt cx="0" cy="0"/>
+        </a:xfrm>
+      </p:grpSpPr>
+      <p:sp>
+        <p:nvSpPr>
+          <p:cNvPr id="2" name="Title 1"/>
+          <p:cNvSpPr>
+            <a:spLocks noGrp="1"/>
+          </p:cNvSpPr>
+          <p:nvPr>
+            <p:ph type="title"/>
+          </p:nvPr>
+        </p:nvSpPr>
+        <p:spPr/>
+        <p:txBody>
+          <a:bodyPr/>
+          <a:lstStyle/>
+          <a:p>
+            <a:r>
+              <a:rPr lang="en-US" dirty="0" smtClean="0"/>
+              <a:t>Web Services</a:t>
+            </a:r>
+            <a:endParaRPr lang="en-US" dirty="0"/>
+          </a:p>
+        </p:txBody>
+      </p:sp>
+      <p:sp>
+        <p:nvSpPr>
+          <p:cNvPr id="3" name="Content Placeholder 2"/>
+          <p:cNvSpPr>
+            <a:spLocks noGrp="1"/>
+          </p:cNvSpPr>
+          <p:nvPr>
+            <p:ph idx="1"/>
+          </p:nvPr>
+        </p:nvSpPr>
+        <p:spPr/>
+        <p:txBody>
+          <a:bodyPr/>
+          <a:lstStyle/>
+          <a:p>
+            <a:endParaRPr lang="en-US" dirty="0"/>
+          </a:p>
+        </p:txBody>
+      </p:sp>
+    </p:spTree>
+    <p:extLst>
+      <p:ext uri="{BB962C8B-B14F-4D97-AF65-F5344CB8AC3E}">
+        <p14:creationId xmlns:p14="http://schemas.microsoft.com/office/powerpoint/2010/main" val="2634932234"/>
+      </p:ext>
+    </p:extLst>
+  </p:cSld>
+  <p:clrMapOvr>
+    <a:masterClrMapping/>
+  </p:clrMapOvr>
+</p:sld>
+</file>
+
+<file path=ppt/slides/slide14.xml><?xml version="1.0" encoding="utf-8"?>
+<p:sld xmlns:a="http://schemas.openxmlformats.org/drawingml/2006/main" xmlns:r="http://schemas.openxmlformats.org/officeDocument/2006/relationships" xmlns:p="http://schemas.openxmlformats.org/presentationml/2006/main">
+  <p:cSld>
+    <p:spTree>
+      <p:nvGrpSpPr>
+        <p:cNvPr id="1" name=""/>
+        <p:cNvGrpSpPr/>
+        <p:nvPr/>
+      </p:nvGrpSpPr>
+      <p:grpSpPr>
+        <a:xfrm>
+          <a:off x="0" y="0"/>
+          <a:ext cx="0" cy="0"/>
+          <a:chOff x="0" y="0"/>
+          <a:chExt cx="0" cy="0"/>
+        </a:xfrm>
+      </p:grpSpPr>
+      <p:sp>
+        <p:nvSpPr>
+          <p:cNvPr id="2" name="Title 1"/>
+          <p:cNvSpPr>
+            <a:spLocks noGrp="1"/>
+          </p:cNvSpPr>
+          <p:nvPr>
+            <p:ph type="title"/>
+          </p:nvPr>
+        </p:nvSpPr>
+        <p:spPr/>
+        <p:txBody>
+          <a:bodyPr/>
+          <a:lstStyle/>
+          <a:p>
+            <a:r>
+              <a:rPr lang="en-US" dirty="0" smtClean="0"/>
+              <a:t>Front End</a:t>
+            </a:r>
+            <a:endParaRPr lang="en-US" dirty="0"/>
+          </a:p>
+        </p:txBody>
+      </p:sp>
+      <p:sp>
+        <p:nvSpPr>
+          <p:cNvPr id="3" name="Content Placeholder 2"/>
+          <p:cNvSpPr>
+            <a:spLocks noGrp="1"/>
+          </p:cNvSpPr>
+          <p:nvPr>
+            <p:ph idx="1"/>
+          </p:nvPr>
+        </p:nvSpPr>
+        <p:spPr/>
+        <p:txBody>
+          <a:bodyPr/>
+          <a:lstStyle/>
+          <a:p>
+            <a:endParaRPr lang="en-US" dirty="0"/>
+          </a:p>
+        </p:txBody>
+      </p:sp>
+    </p:spTree>
+    <p:extLst>
+      <p:ext uri="{BB962C8B-B14F-4D97-AF65-F5344CB8AC3E}">
+        <p14:creationId xmlns:p14="http://schemas.microsoft.com/office/powerpoint/2010/main" val="831731777"/>
+      </p:ext>
+    </p:extLst>
+  </p:cSld>
+  <p:clrMapOvr>
+    <a:masterClrMapping/>
+  </p:clrMapOvr>
+</p:sld>
+</file>
+
+<file path=ppt/slides/slide15.xml><?xml version="1.0" encoding="utf-8"?>
+<p:sld xmlns:a="http://schemas.openxmlformats.org/drawingml/2006/main" xmlns:r="http://schemas.openxmlformats.org/officeDocument/2006/relationships" xmlns:p="http://schemas.openxmlformats.org/presentationml/2006/main">
+  <p:cSld>
+    <p:spTree>
+      <p:nvGrpSpPr>
+        <p:cNvPr id="1" name=""/>
+        <p:cNvGrpSpPr/>
+        <p:nvPr/>
+      </p:nvGrpSpPr>
+      <p:grpSpPr>
+        <a:xfrm>
+          <a:off x="0" y="0"/>
+          <a:ext cx="0" cy="0"/>
+          <a:chOff x="0" y="0"/>
+          <a:chExt cx="0" cy="0"/>
+        </a:xfrm>
+      </p:grpSpPr>
+      <p:sp>
+        <p:nvSpPr>
+          <p:cNvPr id="2" name="Title 1"/>
+          <p:cNvSpPr>
+            <a:spLocks noGrp="1"/>
+          </p:cNvSpPr>
+          <p:nvPr>
+            <p:ph type="title"/>
+          </p:nvPr>
+        </p:nvSpPr>
+        <p:spPr/>
+        <p:txBody>
+          <a:bodyPr/>
+          <a:lstStyle/>
+          <a:p>
+            <a:r>
+              <a:rPr lang="en-US" dirty="0" smtClean="0"/>
+              <a:t>Project Risks</a:t>
+            </a:r>
+            <a:endParaRPr lang="en-US" dirty="0"/>
+          </a:p>
+        </p:txBody>
+      </p:sp>
+      <p:sp>
+        <p:nvSpPr>
+          <p:cNvPr id="3" name="Content Placeholder 2"/>
+          <p:cNvSpPr>
+            <a:spLocks noGrp="1"/>
+          </p:cNvSpPr>
+          <p:nvPr>
+            <p:ph idx="1"/>
+          </p:nvPr>
+        </p:nvSpPr>
+        <p:spPr/>
+        <p:txBody>
+          <a:bodyPr>
+            <a:normAutofit fontScale="92500" lnSpcReduction="10000"/>
+          </a:bodyPr>
+          <a:lstStyle/>
+          <a:p>
+            <a:pPr marL="0" indent="0">
+              <a:buNone/>
+            </a:pPr>
+            <a:r>
+              <a:rPr lang="en-US" dirty="0" smtClean="0"/>
+              <a:t>Risks</a:t>
+            </a:r>
+          </a:p>
+          <a:p>
+            <a:pPr lvl="1"/>
+            <a:r>
+              <a:rPr lang="en-US" dirty="0" smtClean="0"/>
+              <a:t>Integration with other teams</a:t>
+            </a:r>
+          </a:p>
+          <a:p>
+            <a:pPr lvl="2"/>
+            <a:r>
+              <a:rPr lang="en-US" dirty="0" smtClean="0"/>
+              <a:t>Design meetings with other teams planned</a:t>
+            </a:r>
+          </a:p>
+          <a:p>
+            <a:pPr lvl="1"/>
+            <a:endParaRPr lang="en-US" dirty="0" smtClean="0"/>
+          </a:p>
+          <a:p>
+            <a:pPr lvl="1"/>
+            <a:r>
+              <a:rPr lang="en-US" dirty="0" smtClean="0"/>
+              <a:t>Stories take longer that estimated</a:t>
+            </a:r>
+          </a:p>
+          <a:p>
+            <a:pPr lvl="2"/>
+            <a:r>
+              <a:rPr lang="en-US" dirty="0" smtClean="0"/>
+              <a:t>Keep a burn-up chart and prioritize stories</a:t>
+            </a:r>
+          </a:p>
+          <a:p>
+            <a:pPr lvl="1"/>
+            <a:endParaRPr lang="en-US" dirty="0" smtClean="0"/>
+          </a:p>
+          <a:p>
+            <a:pPr lvl="1"/>
+            <a:r>
+              <a:rPr lang="en-US" dirty="0" smtClean="0"/>
+              <a:t>Getting of Good Test Data</a:t>
+            </a:r>
+          </a:p>
+          <a:p>
+            <a:pPr lvl="2"/>
+            <a:r>
+              <a:rPr lang="en-US" dirty="0" smtClean="0"/>
+              <a:t>Professor and TA may be able to get more</a:t>
+            </a:r>
+          </a:p>
+          <a:p>
+            <a:endParaRPr lang="en-US" dirty="0" smtClean="0"/>
+          </a:p>
+          <a:p>
+            <a:r>
+              <a:rPr lang="en-US" dirty="0" smtClean="0"/>
+              <a:t>Testing Strategy</a:t>
+            </a:r>
+          </a:p>
+          <a:p>
+            <a:pPr lvl="1"/>
+            <a:r>
+              <a:rPr lang="en-US" dirty="0" smtClean="0"/>
+              <a:t>Test Driven Design</a:t>
+            </a:r>
+          </a:p>
+          <a:p>
+            <a:pPr lvl="1"/>
+            <a:r>
+              <a:rPr lang="en-US" dirty="0" smtClean="0"/>
+              <a:t>Joint</a:t>
+            </a:r>
+          </a:p>
+          <a:p>
+            <a:pPr lvl="1"/>
+            <a:r>
+              <a:rPr lang="en-US" dirty="0" smtClean="0"/>
+              <a:t>Frontend TBD</a:t>
+            </a:r>
+          </a:p>
+        </p:txBody>
+      </p:sp>
+    </p:spTree>
+    <p:extLst>
+      <p:ext uri="{BB962C8B-B14F-4D97-AF65-F5344CB8AC3E}">
+        <p14:creationId xmlns:p14="http://schemas.microsoft.com/office/powerpoint/2010/main" val="4258234684"/>
+      </p:ext>
+    </p:extLst>
+  </p:cSld>
+  <p:clrMapOvr>
+    <a:masterClrMapping/>
+  </p:clrMapOvr>
+</p:sld>
+</file>
+
+<file path=ppt/slides/slide16.xml><?xml version="1.0" encoding="utf-8"?>
+<p:sld xmlns:a="http://schemas.openxmlformats.org/drawingml/2006/main" xmlns:r="http://schemas.openxmlformats.org/officeDocument/2006/relationships" xmlns:p="http://schemas.openxmlformats.org/presentationml/2006/main">
+  <p:cSld>
+    <p:spTree>
+      <p:nvGrpSpPr>
+        <p:cNvPr id="1" name=""/>
+        <p:cNvGrpSpPr/>
+        <p:nvPr/>
+      </p:nvGrpSpPr>
+      <p:grpSpPr>
+        <a:xfrm>
+          <a:off x="0" y="0"/>
+          <a:ext cx="0" cy="0"/>
+          <a:chOff x="0" y="0"/>
+          <a:chExt cx="0" cy="0"/>
+        </a:xfrm>
+      </p:grpSpPr>
+      <p:sp>
+        <p:nvSpPr>
+          <p:cNvPr id="2" name="Title 1"/>
+          <p:cNvSpPr>
+            <a:spLocks noGrp="1"/>
+          </p:cNvSpPr>
+          <p:nvPr>
+            <p:ph type="title"/>
+          </p:nvPr>
+        </p:nvSpPr>
+        <p:spPr/>
+        <p:txBody>
+          <a:bodyPr/>
+          <a:lstStyle/>
+          <a:p>
+            <a:r>
+              <a:rPr lang="en-US" dirty="0" smtClean="0"/>
+              <a:t>Project Planning – Team / Tools</a:t>
+            </a:r>
+            <a:endParaRPr lang="en-US" dirty="0"/>
+          </a:p>
+        </p:txBody>
+      </p:sp>
+      <p:sp>
+        <p:nvSpPr>
+          <p:cNvPr id="3" name="Content Placeholder 2"/>
+          <p:cNvSpPr>
+            <a:spLocks noGrp="1"/>
+          </p:cNvSpPr>
+          <p:nvPr>
+            <p:ph idx="1"/>
+          </p:nvPr>
+        </p:nvSpPr>
+        <p:spPr/>
+        <p:txBody>
+          <a:bodyPr/>
+          <a:lstStyle/>
+          <a:p>
+            <a:pPr marL="0" indent="0">
+              <a:buNone/>
+            </a:pPr>
+            <a:r>
+              <a:rPr lang="en-US" dirty="0" smtClean="0"/>
+              <a:t>Division of Labor</a:t>
+            </a:r>
+          </a:p>
+          <a:p>
+            <a:pPr lvl="1"/>
+            <a:r>
+              <a:rPr lang="en-US" dirty="0" smtClean="0"/>
+              <a:t>3 People specializing in Front End work</a:t>
+            </a:r>
+          </a:p>
+          <a:p>
+            <a:pPr lvl="1"/>
+            <a:r>
+              <a:rPr lang="en-US" dirty="0" smtClean="0"/>
+              <a:t>2 People specializing in Back End work</a:t>
+            </a:r>
+          </a:p>
+          <a:p>
+            <a:pPr lvl="1"/>
+            <a:endParaRPr lang="en-US" dirty="0" smtClean="0"/>
+          </a:p>
+          <a:p>
+            <a:pPr lvl="1"/>
+            <a:endParaRPr lang="en-US" dirty="0" smtClean="0"/>
+          </a:p>
+          <a:p>
+            <a:pPr marL="0" indent="0">
+              <a:buNone/>
+            </a:pPr>
+            <a:r>
+              <a:rPr lang="en-US" dirty="0" smtClean="0"/>
+              <a:t>Collaborative Tools</a:t>
+            </a:r>
+          </a:p>
+          <a:p>
+            <a:pPr lvl="1"/>
+            <a:r>
+              <a:rPr lang="en-US" dirty="0" smtClean="0"/>
+              <a:t>Slack (messaging)</a:t>
+            </a:r>
+          </a:p>
+          <a:p>
+            <a:pPr lvl="1"/>
+            <a:r>
+              <a:rPr lang="en-US" dirty="0" smtClean="0"/>
+              <a:t>Git Hub Repository</a:t>
+            </a:r>
+          </a:p>
+          <a:p>
+            <a:pPr lvl="1"/>
+            <a:r>
+              <a:rPr lang="en-US" dirty="0" smtClean="0"/>
+              <a:t>JIRA</a:t>
+            </a:r>
+          </a:p>
+          <a:p>
+            <a:endParaRPr lang="en-US" dirty="0" smtClean="0"/>
+          </a:p>
+        </p:txBody>
+      </p:sp>
+    </p:spTree>
+    <p:extLst>
+      <p:ext uri="{BB962C8B-B14F-4D97-AF65-F5344CB8AC3E}">
+        <p14:creationId xmlns:p14="http://schemas.microsoft.com/office/powerpoint/2010/main" val="1096911352"/>
+      </p:ext>
+    </p:extLst>
+  </p:cSld>
+  <p:clrMapOvr>
+    <a:masterClrMapping/>
+  </p:clrMapOvr>
+</p:sld>
+</file>
+
+<file path=ppt/slides/slide17.xml><?xml version="1.0" encoding="utf-8"?>
+<p:sld xmlns:a="http://schemas.openxmlformats.org/drawingml/2006/main" xmlns:r="http://schemas.openxmlformats.org/officeDocument/2006/relationships" xmlns:p="http://schemas.openxmlformats.org/presentationml/2006/main">
+  <p:cSld>
+    <p:spTree>
+      <p:nvGrpSpPr>
+        <p:cNvPr id="1" name=""/>
+        <p:cNvGrpSpPr/>
+        <p:nvPr/>
+      </p:nvGrpSpPr>
+      <p:grpSpPr>
+        <a:xfrm>
+          <a:off x="0" y="0"/>
+          <a:ext cx="0" cy="0"/>
+          <a:chOff x="0" y="0"/>
+          <a:chExt cx="0" cy="0"/>
+        </a:xfrm>
+      </p:grpSpPr>
+      <p:sp>
+        <p:nvSpPr>
+          <p:cNvPr id="2" name="Title 1"/>
+          <p:cNvSpPr>
+            <a:spLocks noGrp="1"/>
+          </p:cNvSpPr>
+          <p:nvPr>
+            <p:ph type="title"/>
+          </p:nvPr>
+        </p:nvSpPr>
+        <p:spPr/>
+        <p:txBody>
+          <a:bodyPr/>
+          <a:lstStyle/>
+          <a:p>
+            <a:r>
+              <a:rPr lang="en-US" dirty="0" smtClean="0"/>
+              <a:t>Project Planning</a:t>
+            </a:r>
+            <a:endParaRPr lang="en-US" dirty="0"/>
+          </a:p>
+        </p:txBody>
+      </p:sp>
+      <p:sp>
+        <p:nvSpPr>
+          <p:cNvPr id="3" name="Content Placeholder 2"/>
+          <p:cNvSpPr>
+            <a:spLocks noGrp="1"/>
+          </p:cNvSpPr>
+          <p:nvPr>
+            <p:ph idx="1"/>
+          </p:nvPr>
+        </p:nvSpPr>
+        <p:spPr/>
+        <p:txBody>
+          <a:bodyPr/>
+          <a:lstStyle/>
+          <a:p>
+            <a:r>
+              <a:rPr lang="en-US" dirty="0" smtClean="0"/>
+              <a:t>10 Iterations</a:t>
+            </a:r>
+          </a:p>
+          <a:p>
+            <a:r>
+              <a:rPr lang="en-US" dirty="0" smtClean="0"/>
+              <a:t>360 Story Points (Project Estimate 720 Hours)</a:t>
+            </a:r>
+          </a:p>
+          <a:p>
+            <a:r>
+              <a:rPr lang="en-US" dirty="0" smtClean="0"/>
+              <a:t>Burn-up Calculated weekly</a:t>
+            </a:r>
+          </a:p>
+          <a:p>
+            <a:endParaRPr lang="en-US" dirty="0" smtClean="0"/>
+          </a:p>
+        </p:txBody>
+      </p:sp>
+      <p:pic>
+        <p:nvPicPr>
+          <p:cNvPr id="4" name="Picture 3" descr="BurnUpChart.png"/>
+          <p:cNvPicPr>
+            <a:picLocks noChangeAspect="1"/>
+          </p:cNvPicPr>
+          <p:nvPr/>
+        </p:nvPicPr>
+        <p:blipFill>
+          <a:blip r:embed="rId2" cstate="email">
+            <a:extLst>
+              <a:ext uri="{28A0092B-C50C-407E-A947-70E740481C1C}">
+                <a14:useLocalDpi xmlns:a14="http://schemas.microsoft.com/office/drawing/2010/main" val="0"/>
+              </a:ext>
+            </a:extLst>
+          </a:blip>
+          <a:stretch>
+            <a:fillRect/>
+          </a:stretch>
+        </p:blipFill>
+        <p:spPr>
+          <a:xfrm>
+            <a:off x="1701800" y="3225800"/>
+            <a:ext cx="5504688" cy="2761488"/>
+          </a:xfrm>
+          <a:prstGeom prst="rect">
+            <a:avLst/>
+          </a:prstGeom>
+        </p:spPr>
+      </p:pic>
+    </p:spTree>
+    <p:extLst>
+      <p:ext uri="{BB962C8B-B14F-4D97-AF65-F5344CB8AC3E}">
+        <p14:creationId xmlns:p14="http://schemas.microsoft.com/office/powerpoint/2010/main" val="3210332075"/>
+      </p:ext>
+    </p:extLst>
+  </p:cSld>
+  <p:clrMapOvr>
+    <a:masterClrMapping/>
+  </p:clrMapOvr>
+</p:sld>
+</file>
+
+<file path=ppt/slides/slide18.xml><?xml version="1.0" encoding="utf-8"?>
+<p:sld xmlns:a="http://schemas.openxmlformats.org/drawingml/2006/main" xmlns:r="http://schemas.openxmlformats.org/officeDocument/2006/relationships" xmlns:p="http://schemas.openxmlformats.org/presentationml/2006/main">
+  <p:cSld>
+    <p:spTree>
+      <p:nvGrpSpPr>
+        <p:cNvPr id="1" name=""/>
+        <p:cNvGrpSpPr/>
+        <p:nvPr/>
+      </p:nvGrpSpPr>
+      <p:grpSpPr>
+        <a:xfrm>
+          <a:off x="0" y="0"/>
+          <a:ext cx="0" cy="0"/>
+          <a:chOff x="0" y="0"/>
+          <a:chExt cx="0" cy="0"/>
+        </a:xfrm>
+      </p:grpSpPr>
+      <p:sp>
+        <p:nvSpPr>
+          <p:cNvPr id="2" name="Title 1"/>
+          <p:cNvSpPr>
+            <a:spLocks noGrp="1"/>
+          </p:cNvSpPr>
+          <p:nvPr>
+            <p:ph type="title"/>
+          </p:nvPr>
+        </p:nvSpPr>
+        <p:spPr/>
+        <p:txBody>
+          <a:bodyPr/>
+          <a:lstStyle/>
+          <a:p>
+            <a:r>
+              <a:rPr lang="en-US" dirty="0" smtClean="0"/>
+              <a:t>Key Milestones</a:t>
+            </a:r>
+            <a:endParaRPr lang="en-US" dirty="0"/>
+          </a:p>
+        </p:txBody>
+      </p:sp>
+      <p:sp>
+        <p:nvSpPr>
+          <p:cNvPr id="3" name="Content Placeholder 2"/>
+          <p:cNvSpPr>
+            <a:spLocks noGrp="1"/>
+          </p:cNvSpPr>
+          <p:nvPr>
+            <p:ph idx="1"/>
+          </p:nvPr>
+        </p:nvSpPr>
+        <p:spPr/>
+        <p:txBody>
+          <a:bodyPr>
+            <a:normAutofit fontScale="92500" lnSpcReduction="10000"/>
+          </a:bodyPr>
+          <a:lstStyle/>
+          <a:p>
+            <a:r>
+              <a:rPr lang="en-US" dirty="0" smtClean="0"/>
+              <a:t>Milestone 2 Deliverables</a:t>
+            </a:r>
+          </a:p>
+          <a:p>
+            <a:pPr lvl="1"/>
+            <a:r>
+              <a:rPr lang="en-US" dirty="0" smtClean="0"/>
+              <a:t>Screen Process Flow</a:t>
+            </a:r>
+          </a:p>
+          <a:p>
+            <a:pPr lvl="1"/>
+            <a:r>
+              <a:rPr lang="en-US" dirty="0" smtClean="0"/>
+              <a:t>Domain Model</a:t>
+            </a:r>
+          </a:p>
+          <a:p>
+            <a:pPr lvl="1"/>
+            <a:r>
+              <a:rPr lang="en-US" dirty="0" smtClean="0"/>
+              <a:t>Web Service Interfaces</a:t>
+            </a:r>
+          </a:p>
+          <a:p>
+            <a:pPr lvl="1"/>
+            <a:r>
+              <a:rPr lang="en-US" dirty="0" smtClean="0"/>
+              <a:t>Plate Map Editor</a:t>
+            </a:r>
+          </a:p>
+          <a:p>
+            <a:pPr lvl="1"/>
+            <a:r>
+              <a:rPr lang="en-US" dirty="0" smtClean="0"/>
+              <a:t>Web Services for Plate Editor</a:t>
+            </a:r>
+          </a:p>
+          <a:p>
+            <a:pPr lvl="1"/>
+            <a:r>
+              <a:rPr lang="en-US" dirty="0" smtClean="0"/>
+              <a:t>Web Services for QC Results</a:t>
+            </a:r>
+          </a:p>
+          <a:p>
+            <a:pPr lvl="1"/>
+            <a:r>
+              <a:rPr lang="en-US" dirty="0" smtClean="0"/>
+              <a:t>Heat Maps </a:t>
+            </a:r>
+          </a:p>
+          <a:p>
+            <a:pPr lvl="1"/>
+            <a:r>
+              <a:rPr lang="en-US" dirty="0" smtClean="0"/>
+              <a:t>QC Plates / Experiments </a:t>
+            </a:r>
+          </a:p>
+          <a:p>
+            <a:pPr lvl="1"/>
+            <a:endParaRPr lang="en-US" dirty="0" smtClean="0"/>
+          </a:p>
+          <a:p>
+            <a:r>
+              <a:rPr lang="en-US" dirty="0" smtClean="0"/>
+              <a:t>Milestone 3 Deliverables</a:t>
+            </a:r>
+          </a:p>
+          <a:p>
+            <a:pPr lvl="1"/>
+            <a:r>
+              <a:rPr lang="en-US" dirty="0" smtClean="0"/>
+              <a:t>Interactive Analysis</a:t>
+            </a:r>
+          </a:p>
+          <a:p>
+            <a:pPr lvl="1"/>
+            <a:r>
+              <a:rPr lang="en-US" dirty="0" smtClean="0"/>
+              <a:t>Interactive Dose Response Analysis</a:t>
+            </a:r>
+          </a:p>
+          <a:p>
+            <a:pPr lvl="1"/>
+            <a:r>
+              <a:rPr lang="en-US" dirty="0" smtClean="0"/>
+              <a:t>Save or Publish</a:t>
+            </a:r>
+            <a:endParaRPr lang="en-US" dirty="0"/>
+          </a:p>
+        </p:txBody>
+      </p:sp>
+    </p:spTree>
+    <p:extLst>
+      <p:ext uri="{BB962C8B-B14F-4D97-AF65-F5344CB8AC3E}">
+        <p14:creationId xmlns:p14="http://schemas.microsoft.com/office/powerpoint/2010/main" val="1815632258"/>
+      </p:ext>
+    </p:extLst>
+  </p:cSld>
+  <p:clrMapOvr>
+    <a:masterClrMapping/>
+  </p:clrMapOvr>
+</p:sld>
+</file>
+
+<file path=ppt/slides/slide2.xml><?xml version="1.0" encoding="utf-8"?>
+<p:sld xmlns:a="http://schemas.openxmlformats.org/drawingml/2006/main" xmlns:r="http://schemas.openxmlformats.org/officeDocument/2006/relationships" xmlns:p="http://schemas.openxmlformats.org/presentationml/2006/main">
+  <p:cSld>
+    <p:spTree>
+      <p:nvGrpSpPr>
+        <p:cNvPr id="1" name=""/>
+        <p:cNvGrpSpPr/>
+        <p:nvPr/>
+      </p:nvGrpSpPr>
+      <p:grpSpPr>
+        <a:xfrm>
+          <a:off x="0" y="0"/>
+          <a:ext cx="0" cy="0"/>
+          <a:chOff x="0" y="0"/>
+          <a:chExt cx="0" cy="0"/>
+        </a:xfrm>
+      </p:grpSpPr>
+      <p:sp>
+        <p:nvSpPr>
+          <p:cNvPr id="2" name="Title 1"/>
+          <p:cNvSpPr>
+            <a:spLocks noGrp="1"/>
+          </p:cNvSpPr>
+          <p:nvPr>
+            <p:ph type="title"/>
+          </p:nvPr>
+        </p:nvSpPr>
+        <p:spPr/>
+        <p:txBody>
+          <a:bodyPr/>
+          <a:lstStyle/>
+          <a:p>
+            <a:r>
+              <a:rPr lang="en-US" dirty="0" smtClean="0"/>
+              <a:t>WE99 Team Vision</a:t>
+            </a:r>
+            <a:endParaRPr lang="en-US" dirty="0"/>
+          </a:p>
+        </p:txBody>
+      </p:sp>
+      <p:sp>
+        <p:nvSpPr>
+          <p:cNvPr id="3" name="Content Placeholder 2"/>
+          <p:cNvSpPr>
+            <a:spLocks noGrp="1"/>
+          </p:cNvSpPr>
+          <p:nvPr>
+            <p:ph idx="1"/>
+          </p:nvPr>
+        </p:nvSpPr>
+        <p:spPr/>
+        <p:txBody>
+          <a:bodyPr>
+            <a:normAutofit fontScale="70000" lnSpcReduction="20000"/>
+          </a:bodyPr>
+          <a:lstStyle/>
+          <a:p>
+            <a:pPr marL="0" indent="0" algn="ctr">
+              <a:buNone/>
+            </a:pPr>
+            <a:r>
+              <a:rPr lang="en-US" dirty="0" smtClean="0"/>
+              <a:t>The </a:t>
+            </a:r>
+            <a:r>
+              <a:rPr lang="en-US" dirty="0"/>
+              <a:t>team focus is providing outstanding tools to assist in analyzing the dose response characteristics potential drugs.</a:t>
+            </a:r>
+          </a:p>
+          <a:p>
+            <a:pPr marL="0" indent="0" algn="ctr">
+              <a:buNone/>
+            </a:pPr>
+            <a:r>
+              <a:rPr lang="en-US" dirty="0"/>
+              <a:t> </a:t>
+            </a:r>
+          </a:p>
+          <a:p>
+            <a:pPr marL="0" indent="0" algn="ctr">
+              <a:buNone/>
+            </a:pPr>
+            <a:r>
+              <a:rPr lang="en-US" dirty="0"/>
+              <a:t>We will provide beautiful interactive visualization tools that will assist the scientist in:</a:t>
+            </a:r>
+          </a:p>
+          <a:p>
+            <a:pPr marL="0" indent="0" algn="ctr">
+              <a:buNone/>
+            </a:pPr>
+            <a:r>
+              <a:rPr lang="en-US" dirty="0"/>
+              <a:t> </a:t>
+            </a:r>
+          </a:p>
+          <a:p>
+            <a:pPr lvl="0"/>
+            <a:r>
+              <a:rPr lang="en-US" dirty="0"/>
+              <a:t>Creating and managing experimental plate sets for dose response experiments</a:t>
+            </a:r>
+          </a:p>
+          <a:p>
+            <a:pPr lvl="0"/>
+            <a:r>
+              <a:rPr lang="en-US" dirty="0"/>
+              <a:t>Performing quality control checks on plate results and plate controls</a:t>
+            </a:r>
+          </a:p>
+          <a:p>
+            <a:pPr lvl="0"/>
+            <a:r>
+              <a:rPr lang="en-US" dirty="0"/>
+              <a:t>Performing Interactive analysis of dose response results.</a:t>
+            </a:r>
+          </a:p>
+          <a:p>
+            <a:pPr marL="0" indent="0" algn="ctr">
+              <a:buNone/>
+            </a:pPr>
+            <a:r>
+              <a:rPr lang="en-US" dirty="0"/>
+              <a:t> </a:t>
+            </a:r>
+          </a:p>
+          <a:p>
+            <a:pPr marL="0" indent="0" algn="ctr">
+              <a:buNone/>
+            </a:pPr>
+            <a:r>
+              <a:rPr lang="en-US" dirty="0"/>
+              <a:t> </a:t>
+            </a:r>
+          </a:p>
+          <a:p>
+            <a:pPr marL="0" indent="0" algn="ctr">
+              <a:buNone/>
+            </a:pPr>
+            <a:r>
+              <a:rPr lang="en-US" dirty="0"/>
+              <a:t>The team will store the experimental results and the analysis of the results so that the historic experimental analysis can be reviewed or reproduced at any time.</a:t>
+            </a:r>
+          </a:p>
+          <a:p>
+            <a:pPr marL="0" indent="0" algn="ctr">
+              <a:buNone/>
+            </a:pPr>
+            <a:r>
+              <a:rPr lang="en-US" dirty="0"/>
+              <a:t> </a:t>
+            </a:r>
+          </a:p>
+          <a:p>
+            <a:pPr marL="0" indent="0" algn="ctr">
+              <a:buNone/>
+            </a:pPr>
+            <a:r>
+              <a:rPr lang="en-US" dirty="0"/>
+              <a:t>Scientists will be able to save the results for further analysis or publish their analysis, making it available to all other users.</a:t>
+            </a:r>
+          </a:p>
+          <a:p>
+            <a:pPr marL="0" indent="0">
+              <a:buNone/>
+            </a:pPr>
+            <a:endParaRPr lang="en-US" dirty="0"/>
+          </a:p>
+        </p:txBody>
+      </p:sp>
+    </p:spTree>
+    <p:extLst>
+      <p:ext uri="{BB962C8B-B14F-4D97-AF65-F5344CB8AC3E}">
+        <p14:creationId xmlns:p14="http://schemas.microsoft.com/office/powerpoint/2010/main" val="994059251"/>
+      </p:ext>
+    </p:extLst>
+  </p:cSld>
+  <p:clrMapOvr>
+    <a:masterClrMapping/>
+  </p:clrMapOvr>
+  <p:timing>
+    <p:tnLst>
+      <p:par>
+        <p:cTn id="1" dur="indefinite" restart="never" nodeType="tmRoot"/>
+      </p:par>
+    </p:tnLst>
+  </p:timing>
+</p:sld>
+</file>
+
+<file path=ppt/slides/slide3.xml><?xml version="1.0" encoding="utf-8"?>
+<p:sld xmlns:a="http://schemas.openxmlformats.org/drawingml/2006/main" xmlns:r="http://schemas.openxmlformats.org/officeDocument/2006/relationships" xmlns:p="http://schemas.openxmlformats.org/presentationml/2006/main">
+  <p:cSld>
+    <p:spTree>
+      <p:nvGrpSpPr>
+        <p:cNvPr id="1" name=""/>
+        <p:cNvGrpSpPr/>
+        <p:nvPr/>
+      </p:nvGrpSpPr>
+      <p:grpSpPr>
+        <a:xfrm>
+          <a:off x="0" y="0"/>
+          <a:ext cx="0" cy="0"/>
+          <a:chOff x="0" y="0"/>
+          <a:chExt cx="0" cy="0"/>
+        </a:xfrm>
+      </p:grpSpPr>
+      <p:sp>
+        <p:nvSpPr>
+          <p:cNvPr id="2" name="Title 1"/>
+          <p:cNvSpPr>
+            <a:spLocks noGrp="1"/>
+          </p:cNvSpPr>
+          <p:nvPr>
+            <p:ph type="title"/>
+          </p:nvPr>
+        </p:nvSpPr>
+        <p:spPr/>
+        <p:txBody>
+          <a:bodyPr/>
+          <a:lstStyle/>
+          <a:p>
+            <a:r>
+              <a:rPr lang="en-US" dirty="0" smtClean="0"/>
+              <a:t>Business Opportunity</a:t>
+            </a:r>
+            <a:endParaRPr lang="en-US" dirty="0"/>
+          </a:p>
+        </p:txBody>
+      </p:sp>
+      <p:sp>
+        <p:nvSpPr>
+          <p:cNvPr id="3" name="Content Placeholder 2"/>
+          <p:cNvSpPr>
+            <a:spLocks noGrp="1"/>
+          </p:cNvSpPr>
+          <p:nvPr>
+            <p:ph idx="1"/>
+          </p:nvPr>
+        </p:nvSpPr>
+        <p:spPr/>
+        <p:txBody>
+          <a:bodyPr>
+            <a:normAutofit lnSpcReduction="10000"/>
+          </a:bodyPr>
+          <a:lstStyle/>
+          <a:p>
+            <a:r>
+              <a:rPr lang="en-US" dirty="0" smtClean="0"/>
+              <a:t>High </a:t>
+            </a:r>
+            <a:r>
+              <a:rPr lang="en-US" dirty="0"/>
+              <a:t>throughput screening </a:t>
+            </a:r>
+            <a:r>
+              <a:rPr lang="en-US" dirty="0" smtClean="0"/>
+              <a:t>tests </a:t>
+            </a:r>
+            <a:r>
+              <a:rPr lang="en-US" dirty="0"/>
+              <a:t>millions of potential drugs</a:t>
+            </a:r>
+            <a:r>
+              <a:rPr lang="en-US" dirty="0" smtClean="0"/>
+              <a:t>.</a:t>
+            </a:r>
+          </a:p>
+          <a:p>
+            <a:endParaRPr lang="en-US" dirty="0" smtClean="0"/>
+          </a:p>
+          <a:p>
+            <a:r>
+              <a:rPr lang="en-US" dirty="0" smtClean="0"/>
+              <a:t>Commercial software is expensive</a:t>
+            </a:r>
+          </a:p>
+          <a:p>
+            <a:endParaRPr lang="en-US" dirty="0" smtClean="0"/>
+          </a:p>
+          <a:p>
+            <a:r>
+              <a:rPr lang="en-US" dirty="0" smtClean="0"/>
+              <a:t>Enable Scientists to be </a:t>
+            </a:r>
+            <a:r>
+              <a:rPr lang="en-US" dirty="0"/>
+              <a:t>organized and efficient when screening </a:t>
+            </a:r>
+            <a:r>
+              <a:rPr lang="en-US" dirty="0" smtClean="0"/>
+              <a:t>potential </a:t>
+            </a:r>
+            <a:r>
+              <a:rPr lang="en-US" dirty="0"/>
+              <a:t>drugs. </a:t>
+            </a:r>
+            <a:endParaRPr lang="en-US" dirty="0" smtClean="0"/>
+          </a:p>
+          <a:p>
+            <a:endParaRPr lang="en-US" dirty="0"/>
+          </a:p>
+          <a:p>
+            <a:r>
+              <a:rPr lang="en-US" dirty="0" smtClean="0"/>
+              <a:t>Dynamic analysis tools help reduce the number of experiments.</a:t>
+            </a:r>
+          </a:p>
+          <a:p>
+            <a:endParaRPr lang="en-US" dirty="0" smtClean="0"/>
+          </a:p>
+          <a:p>
+            <a:r>
+              <a:rPr lang="en-US" dirty="0" smtClean="0"/>
+              <a:t>Eliminate </a:t>
+            </a:r>
+            <a:r>
+              <a:rPr lang="en-US" dirty="0"/>
+              <a:t>compounds earlier in the discovery </a:t>
+            </a:r>
+            <a:r>
+              <a:rPr lang="en-US" dirty="0" smtClean="0"/>
+              <a:t>cycle.</a:t>
+            </a:r>
+            <a:endParaRPr lang="en-US" dirty="0"/>
+          </a:p>
+        </p:txBody>
+      </p:sp>
+    </p:spTree>
+    <p:extLst>
+      <p:ext uri="{BB962C8B-B14F-4D97-AF65-F5344CB8AC3E}">
+        <p14:creationId xmlns:p14="http://schemas.microsoft.com/office/powerpoint/2010/main" val="2700570494"/>
+      </p:ext>
+    </p:extLst>
+  </p:cSld>
+  <p:clrMapOvr>
+    <a:masterClrMapping/>
+  </p:clrMapOvr>
+  <p:timing>
+    <p:tnLst>
+      <p:par>
+        <p:cTn id="1" dur="indefinite" restart="never" nodeType="tmRoot"/>
+      </p:par>
+    </p:tnLst>
+  </p:timing>
+</p:sld>
+</file>
+
+<file path=ppt/slides/slide4.xml><?xml version="1.0" encoding="utf-8"?>
+<p:sld xmlns:a="http://schemas.openxmlformats.org/drawingml/2006/main" xmlns:r="http://schemas.openxmlformats.org/officeDocument/2006/relationships" xmlns:p="http://schemas.openxmlformats.org/presentationml/2006/main">
+  <p:cSld>
+    <p:spTree>
+      <p:nvGrpSpPr>
+        <p:cNvPr id="1" name=""/>
+        <p:cNvGrpSpPr/>
+        <p:nvPr/>
+      </p:nvGrpSpPr>
+      <p:grpSpPr>
+        <a:xfrm>
+          <a:off x="0" y="0"/>
+          <a:ext cx="0" cy="0"/>
+          <a:chOff x="0" y="0"/>
+          <a:chExt cx="0" cy="0"/>
+        </a:xfrm>
+      </p:grpSpPr>
+      <p:sp>
+        <p:nvSpPr>
+          <p:cNvPr id="2" name="Title 1"/>
+          <p:cNvSpPr>
+            <a:spLocks noGrp="1"/>
+          </p:cNvSpPr>
+          <p:nvPr>
+            <p:ph type="title"/>
+          </p:nvPr>
+        </p:nvSpPr>
+        <p:spPr/>
+        <p:txBody>
+          <a:bodyPr/>
+          <a:lstStyle/>
+          <a:p>
+            <a:r>
+              <a:rPr lang="en-US" dirty="0" smtClean="0"/>
+              <a:t>Presentation Outline</a:t>
+            </a:r>
+            <a:endParaRPr lang="en-US" dirty="0"/>
+          </a:p>
+        </p:txBody>
+      </p:sp>
+      <p:sp>
+        <p:nvSpPr>
+          <p:cNvPr id="3" name="Content Placeholder 2"/>
+          <p:cNvSpPr>
+            <a:spLocks noGrp="1"/>
+          </p:cNvSpPr>
+          <p:nvPr>
+            <p:ph idx="1"/>
+          </p:nvPr>
+        </p:nvSpPr>
+        <p:spPr/>
+        <p:txBody>
+          <a:bodyPr/>
+          <a:lstStyle/>
+          <a:p>
+            <a:pPr marL="0" indent="0">
+              <a:buNone/>
+            </a:pPr>
+            <a:r>
+              <a:rPr lang="en-US" dirty="0" smtClean="0"/>
+              <a:t>Overview of Presentation</a:t>
+            </a:r>
+          </a:p>
+          <a:p>
+            <a:pPr marL="0" indent="0">
+              <a:buNone/>
+            </a:pPr>
+            <a:endParaRPr lang="en-US" dirty="0" smtClean="0"/>
+          </a:p>
+          <a:p>
+            <a:r>
+              <a:rPr lang="en-US" dirty="0" smtClean="0"/>
+              <a:t>Plate Editing and Creation – Alex</a:t>
+            </a:r>
+          </a:p>
+          <a:p>
+            <a:r>
+              <a:rPr lang="en-US" dirty="0" smtClean="0"/>
+              <a:t>Results Analysis – Sean</a:t>
+            </a:r>
+          </a:p>
+          <a:p>
+            <a:r>
+              <a:rPr lang="en-US" dirty="0" smtClean="0"/>
+              <a:t>Architecture – Mark</a:t>
+            </a:r>
+          </a:p>
+          <a:p>
+            <a:r>
+              <a:rPr lang="en-US" dirty="0" smtClean="0"/>
+              <a:t>Front End –</a:t>
+            </a:r>
+            <a:r>
+              <a:rPr lang="en-US" dirty="0"/>
+              <a:t> </a:t>
+            </a:r>
+            <a:r>
+              <a:rPr lang="en-US" dirty="0" smtClean="0"/>
+              <a:t>Tim</a:t>
+            </a:r>
+          </a:p>
+          <a:p>
+            <a:r>
+              <a:rPr lang="en-US" dirty="0" smtClean="0"/>
+              <a:t>Project Planning/Estimates - Alan</a:t>
+            </a:r>
+          </a:p>
+        </p:txBody>
+      </p:sp>
+    </p:spTree>
+    <p:extLst>
+      <p:ext uri="{BB962C8B-B14F-4D97-AF65-F5344CB8AC3E}">
+        <p14:creationId xmlns:p14="http://schemas.microsoft.com/office/powerpoint/2010/main" val="187400791"/>
+      </p:ext>
+    </p:extLst>
+  </p:cSld>
+  <p:clrMapOvr>
+    <a:masterClrMapping/>
+  </p:clrMapOvr>
+  <p:timing>
+    <p:tnLst>
+      <p:par>
+        <p:cTn id="1" dur="indefinite" restart="never" nodeType="tmRoot"/>
+      </p:par>
+    </p:tnLst>
+  </p:timing>
+</p:sld>
+</file>
+
+<file path=ppt/slides/slide5.xml><?xml version="1.0" encoding="utf-8"?>
+<p:sld xmlns:a="http://schemas.openxmlformats.org/drawingml/2006/main" xmlns:r="http://schemas.openxmlformats.org/officeDocument/2006/relationships" xmlns:p="http://schemas.openxmlformats.org/presentationml/2006/main">
+  <p:cSld>
+    <p:spTree>
+      <p:nvGrpSpPr>
+        <p:cNvPr id="1" name=""/>
+        <p:cNvGrpSpPr/>
+        <p:nvPr/>
+      </p:nvGrpSpPr>
+      <p:grpSpPr>
+        <a:xfrm>
+          <a:off x="0" y="0"/>
+          <a:ext cx="0" cy="0"/>
+          <a:chOff x="0" y="0"/>
+          <a:chExt cx="0" cy="0"/>
+        </a:xfrm>
+      </p:grpSpPr>
+      <p:sp>
+        <p:nvSpPr>
+          <p:cNvPr id="2" name="Title 1"/>
+          <p:cNvSpPr>
+            <a:spLocks noGrp="1"/>
+          </p:cNvSpPr>
+          <p:nvPr>
+            <p:ph type="title"/>
+          </p:nvPr>
+        </p:nvSpPr>
+        <p:spPr/>
+        <p:txBody>
+          <a:bodyPr>
+            <a:normAutofit/>
+          </a:bodyPr>
+          <a:lstStyle/>
+          <a:p>
+            <a:r>
+              <a:rPr lang="en-US" sz="3200" dirty="0" smtClean="0"/>
+              <a:t>What “we99” are Delivering – Plate Map Editor</a:t>
+            </a:r>
+            <a:endParaRPr lang="en-US" sz="3200" dirty="0"/>
+          </a:p>
+        </p:txBody>
+      </p:sp>
+      <p:sp>
+        <p:nvSpPr>
+          <p:cNvPr id="3" name="Content Placeholder 2"/>
+          <p:cNvSpPr>
+            <a:spLocks noGrp="1"/>
+          </p:cNvSpPr>
+          <p:nvPr>
+            <p:ph idx="1"/>
+          </p:nvPr>
+        </p:nvSpPr>
+        <p:spPr>
+          <a:xfrm>
+            <a:off x="457200" y="1417320"/>
+            <a:ext cx="8229600" cy="4876800"/>
+          </a:xfrm>
+        </p:spPr>
+        <p:txBody>
+          <a:bodyPr>
+            <a:normAutofit/>
+          </a:bodyPr>
+          <a:lstStyle/>
+          <a:p>
+            <a:pPr marL="0" indent="0">
+              <a:buNone/>
+            </a:pPr>
+            <a:r>
+              <a:rPr lang="en-US" sz="2000" dirty="0" smtClean="0"/>
+              <a:t>Plate Manager / Import – Export</a:t>
+            </a:r>
+          </a:p>
+          <a:p>
+            <a:pPr marL="0" indent="0">
+              <a:buNone/>
+            </a:pPr>
+            <a:endParaRPr lang="en-US" sz="2000" dirty="0"/>
+          </a:p>
+        </p:txBody>
+      </p:sp>
+      <p:pic>
+        <p:nvPicPr>
+          <p:cNvPr id="1027" name="Picture 3"/>
+          <p:cNvPicPr>
+            <a:picLocks noChangeAspect="1" noChangeArrowheads="1"/>
+          </p:cNvPicPr>
+          <p:nvPr/>
+        </p:nvPicPr>
+        <p:blipFill>
+          <a:blip r:embed="rId2" cstate="email">
+            <a:extLst>
+              <a:ext uri="{28A0092B-C50C-407E-A947-70E740481C1C}">
+                <a14:useLocalDpi xmlns:a14="http://schemas.microsoft.com/office/drawing/2010/main" val="0"/>
+              </a:ext>
+            </a:extLst>
+          </a:blip>
+          <a:srcRect/>
+          <a:stretch>
+            <a:fillRect/>
+          </a:stretch>
+        </p:blipFill>
+        <p:spPr bwMode="auto">
+          <a:xfrm>
+            <a:off x="4485640" y="1417320"/>
+            <a:ext cx="4490720" cy="5320286"/>
+          </a:xfrm>
+          <a:prstGeom prst="rect">
+            <a:avLst/>
+          </a:prstGeom>
+          <a:noFill/>
+          <a:ln>
+            <a:noFill/>
+          </a:ln>
+          <a:extLst>
+            <a:ext uri="{909E8E84-426E-40DD-AFC4-6F175D3DCCD1}">
+              <a14:hiddenFill xmlns:a14="http://schemas.microsoft.com/office/drawing/2010/main">
+                <a:solidFill>
+                  <a:schemeClr val="accent1"/>
+                </a:solidFill>
+              </a14:hiddenFill>
+            </a:ext>
+            <a:ext uri="{91240B29-F687-4F45-9708-019B960494DF}">
+              <a14:hiddenLine xmlns:a14="http://schemas.microsoft.com/office/drawing/2010/main" w="9525">
+                <a:solidFill>
+                  <a:schemeClr val="tx1"/>
+                </a:solidFill>
+                <a:miter lim="800000"/>
+                <a:headEnd/>
+                <a:tailEnd/>
+              </a14:hiddenLine>
+            </a:ext>
+          </a:extLst>
+        </p:spPr>
+      </p:pic>
+      <p:sp>
+        <p:nvSpPr>
+          <p:cNvPr id="4" name="TextBox 3"/>
+          <p:cNvSpPr txBox="1"/>
+          <p:nvPr/>
+        </p:nvSpPr>
+        <p:spPr>
+          <a:xfrm>
+            <a:off x="723900" y="1866900"/>
+            <a:ext cx="3535680" cy="2246769"/>
+          </a:xfrm>
+          <a:prstGeom prst="rect">
+            <a:avLst/>
+          </a:prstGeom>
+          <a:noFill/>
+        </p:spPr>
+        <p:txBody>
+          <a:bodyPr wrap="square" rtlCol="0">
+            <a:spAutoFit/>
+          </a:bodyPr>
+          <a:lstStyle/>
+          <a:p>
+            <a:pPr marL="285750" indent="-285750">
+              <a:buFont typeface="Arial" panose="020B0604020202020204" pitchFamily="34" charset="0"/>
+              <a:buChar char="•"/>
+            </a:pPr>
+            <a:r>
+              <a:rPr lang="en-US" sz="1400" dirty="0" smtClean="0"/>
+              <a:t>Import to take data from </a:t>
+            </a:r>
+            <a:r>
+              <a:rPr lang="en-US" sz="1400" dirty="0" err="1" smtClean="0"/>
+              <a:t>json</a:t>
+            </a:r>
+            <a:r>
+              <a:rPr lang="en-US" sz="1400" dirty="0" smtClean="0"/>
+              <a:t> file.</a:t>
+            </a:r>
+          </a:p>
+          <a:p>
+            <a:pPr marL="285750" indent="-285750">
+              <a:buFont typeface="Arial" panose="020B0604020202020204" pitchFamily="34" charset="0"/>
+              <a:buChar char="•"/>
+            </a:pPr>
+            <a:endParaRPr lang="en-US" sz="1400" dirty="0" smtClean="0"/>
+          </a:p>
+          <a:p>
+            <a:pPr marL="285750" indent="-285750">
+              <a:buFont typeface="Arial" panose="020B0604020202020204" pitchFamily="34" charset="0"/>
+              <a:buChar char="•"/>
+            </a:pPr>
+            <a:r>
+              <a:rPr lang="en-US" sz="1400" dirty="0" smtClean="0"/>
+              <a:t>Export to put details of the plate into a </a:t>
+            </a:r>
+            <a:r>
+              <a:rPr lang="en-US" sz="1400" dirty="0" err="1" smtClean="0"/>
+              <a:t>json</a:t>
+            </a:r>
+            <a:r>
+              <a:rPr lang="en-US" sz="1400" dirty="0" smtClean="0"/>
+              <a:t> file</a:t>
+            </a:r>
+          </a:p>
+          <a:p>
+            <a:pPr marL="285750" indent="-285750">
+              <a:buFont typeface="Arial" panose="020B0604020202020204" pitchFamily="34" charset="0"/>
+              <a:buChar char="•"/>
+            </a:pPr>
+            <a:endParaRPr lang="en-US" sz="1400" dirty="0" smtClean="0"/>
+          </a:p>
+          <a:p>
+            <a:pPr marL="285750" indent="-285750">
+              <a:buFont typeface="Arial" panose="020B0604020202020204" pitchFamily="34" charset="0"/>
+              <a:buChar char="•"/>
+            </a:pPr>
+            <a:r>
+              <a:rPr lang="en-US" sz="1400" dirty="0" smtClean="0"/>
+              <a:t>Click actions to update status:</a:t>
+            </a:r>
+          </a:p>
+          <a:p>
+            <a:pPr marL="742950" lvl="1" indent="-285750">
+              <a:buFontTx/>
+              <a:buChar char="-"/>
+            </a:pPr>
+            <a:r>
+              <a:rPr lang="en-US" sz="1400" dirty="0" smtClean="0"/>
+              <a:t>Mark prepared</a:t>
+            </a:r>
+          </a:p>
+          <a:p>
+            <a:pPr marL="742950" lvl="1" indent="-285750">
+              <a:buFontTx/>
+              <a:buChar char="-"/>
+            </a:pPr>
+            <a:r>
+              <a:rPr lang="en-US" sz="1400" dirty="0" smtClean="0"/>
+              <a:t>Send to device</a:t>
+            </a:r>
+          </a:p>
+          <a:p>
+            <a:pPr marL="742950" lvl="1" indent="-285750">
+              <a:buFontTx/>
+              <a:buChar char="-"/>
+            </a:pPr>
+            <a:r>
+              <a:rPr lang="en-US" sz="1400" dirty="0" smtClean="0"/>
+              <a:t>Upload analysis</a:t>
+            </a:r>
+          </a:p>
+          <a:p>
+            <a:pPr marL="742950" lvl="1" indent="-285750">
+              <a:buFontTx/>
+              <a:buChar char="-"/>
+            </a:pPr>
+            <a:r>
+              <a:rPr lang="en-US" sz="1400" dirty="0" smtClean="0"/>
+              <a:t>View analysis</a:t>
+            </a:r>
+            <a:endParaRPr lang="en-US" sz="1400" dirty="0"/>
+          </a:p>
+        </p:txBody>
+      </p:sp>
+    </p:spTree>
+    <p:extLst>
+      <p:ext uri="{BB962C8B-B14F-4D97-AF65-F5344CB8AC3E}">
+        <p14:creationId xmlns:p14="http://schemas.microsoft.com/office/powerpoint/2010/main" val="235299588"/>
+      </p:ext>
+    </p:extLst>
+  </p:cSld>
+  <p:clrMapOvr>
+    <a:masterClrMapping/>
+  </p:clrMapOvr>
+  <p:timing>
+    <p:tnLst>
+      <p:par>
+        <p:cTn id="1" dur="indefinite" restart="never" nodeType="tmRoot"/>
+      </p:par>
+    </p:tnLst>
+  </p:timing>
+</p:sld>
+</file>
+
+<file path=ppt/slides/slide6.xml><?xml version="1.0" encoding="utf-8"?>
+<p:sld xmlns:a="http://schemas.openxmlformats.org/drawingml/2006/main" xmlns:r="http://schemas.openxmlformats.org/officeDocument/2006/relationships" xmlns:p="http://schemas.openxmlformats.org/presentationml/2006/main">
+  <p:cSld>
+    <p:spTree>
+      <p:nvGrpSpPr>
+        <p:cNvPr id="1" name=""/>
+        <p:cNvGrpSpPr/>
+        <p:nvPr/>
+      </p:nvGrpSpPr>
+      <p:grpSpPr>
+        <a:xfrm>
+          <a:off x="0" y="0"/>
+          <a:ext cx="0" cy="0"/>
+          <a:chOff x="0" y="0"/>
+          <a:chExt cx="0" cy="0"/>
+        </a:xfrm>
+      </p:grpSpPr>
+      <p:sp>
+        <p:nvSpPr>
+          <p:cNvPr id="2" name="Title 1"/>
+          <p:cNvSpPr>
+            <a:spLocks noGrp="1"/>
+          </p:cNvSpPr>
+          <p:nvPr>
+            <p:ph type="title"/>
+          </p:nvPr>
+        </p:nvSpPr>
+        <p:spPr/>
+        <p:txBody>
+          <a:bodyPr>
+            <a:normAutofit/>
+          </a:bodyPr>
+          <a:lstStyle/>
+          <a:p>
+            <a:r>
+              <a:rPr lang="en-US" sz="3200" dirty="0" smtClean="0"/>
+              <a:t>What “we99” are Delivering – Plate Map Editor</a:t>
+            </a:r>
+            <a:endParaRPr lang="en-US" sz="3200" dirty="0"/>
+          </a:p>
+        </p:txBody>
+      </p:sp>
+      <p:sp>
+        <p:nvSpPr>
+          <p:cNvPr id="3" name="Content Placeholder 2"/>
+          <p:cNvSpPr>
+            <a:spLocks noGrp="1"/>
+          </p:cNvSpPr>
+          <p:nvPr>
+            <p:ph idx="1"/>
+          </p:nvPr>
+        </p:nvSpPr>
+        <p:spPr>
+          <a:xfrm>
+            <a:off x="457200" y="1417320"/>
+            <a:ext cx="8229600" cy="4876800"/>
+          </a:xfrm>
+        </p:spPr>
+        <p:txBody>
+          <a:bodyPr/>
+          <a:lstStyle/>
+          <a:p>
+            <a:pPr marL="0" indent="0">
+              <a:buNone/>
+            </a:pPr>
+            <a:r>
+              <a:rPr lang="en-US" dirty="0" smtClean="0"/>
+              <a:t>Plate Templates</a:t>
+            </a:r>
+          </a:p>
+          <a:p>
+            <a:r>
+              <a:rPr lang="en-US" sz="1800" dirty="0" smtClean="0"/>
+              <a:t>Plate are created from plate templates</a:t>
+            </a:r>
+            <a:endParaRPr lang="en-US" sz="1800" dirty="0"/>
+          </a:p>
+        </p:txBody>
+      </p:sp>
+      <p:pic>
+        <p:nvPicPr>
+          <p:cNvPr id="4098" name="Picture 2"/>
+          <p:cNvPicPr>
+            <a:picLocks noChangeAspect="1" noChangeArrowheads="1"/>
+          </p:cNvPicPr>
+          <p:nvPr/>
+        </p:nvPicPr>
+        <p:blipFill>
+          <a:blip r:embed="rId2" cstate="email">
+            <a:extLst>
+              <a:ext uri="{28A0092B-C50C-407E-A947-70E740481C1C}">
+                <a14:useLocalDpi xmlns:a14="http://schemas.microsoft.com/office/drawing/2010/main" val="0"/>
+              </a:ext>
+            </a:extLst>
+          </a:blip>
+          <a:srcRect/>
+          <a:stretch>
+            <a:fillRect/>
+          </a:stretch>
+        </p:blipFill>
+        <p:spPr bwMode="auto">
+          <a:xfrm>
+            <a:off x="2095500" y="2551101"/>
+            <a:ext cx="6332220" cy="3484573"/>
+          </a:xfrm>
+          <a:prstGeom prst="rect">
+            <a:avLst/>
+          </a:prstGeom>
+          <a:noFill/>
+          <a:ln>
+            <a:noFill/>
+          </a:ln>
+          <a:extLst>
+            <a:ext uri="{909E8E84-426E-40DD-AFC4-6F175D3DCCD1}">
+              <a14:hiddenFill xmlns:a14="http://schemas.microsoft.com/office/drawing/2010/main">
+                <a:solidFill>
+                  <a:schemeClr val="accent1"/>
+                </a:solidFill>
+              </a14:hiddenFill>
+            </a:ext>
+            <a:ext uri="{91240B29-F687-4F45-9708-019B960494DF}">
+              <a14:hiddenLine xmlns:a14="http://schemas.microsoft.com/office/drawing/2010/main" w="9525">
+                <a:solidFill>
+                  <a:schemeClr val="tx1"/>
+                </a:solidFill>
+                <a:miter lim="800000"/>
+                <a:headEnd/>
+                <a:tailEnd/>
+              </a14:hiddenLine>
+            </a:ext>
+          </a:extLst>
+        </p:spPr>
+      </p:pic>
+    </p:spTree>
+    <p:extLst>
+      <p:ext uri="{BB962C8B-B14F-4D97-AF65-F5344CB8AC3E}">
+        <p14:creationId xmlns:p14="http://schemas.microsoft.com/office/powerpoint/2010/main" val="1773850298"/>
+      </p:ext>
+    </p:extLst>
+  </p:cSld>
+  <p:clrMapOvr>
+    <a:masterClrMapping/>
+  </p:clrMapOvr>
+  <p:timing>
+    <p:tnLst>
+      <p:par>
+        <p:cTn id="1" dur="indefinite" restart="never" nodeType="tmRoot"/>
+      </p:par>
+    </p:tnLst>
+  </p:timing>
+</p:sld>
+</file>
+
+<file path=ppt/slides/slide7.xml><?xml version="1.0" encoding="utf-8"?>
+<p:sld xmlns:a="http://schemas.openxmlformats.org/drawingml/2006/main" xmlns:r="http://schemas.openxmlformats.org/officeDocument/2006/relationships" xmlns:p="http://schemas.openxmlformats.org/presentationml/2006/main">
+  <p:cSld>
+    <p:spTree>
+      <p:nvGrpSpPr>
+        <p:cNvPr id="1" name=""/>
+        <p:cNvGrpSpPr/>
+        <p:nvPr/>
+      </p:nvGrpSpPr>
+      <p:grpSpPr>
+        <a:xfrm>
+          <a:off x="0" y="0"/>
+          <a:ext cx="0" cy="0"/>
+          <a:chOff x="0" y="0"/>
+          <a:chExt cx="0" cy="0"/>
+        </a:xfrm>
+      </p:grpSpPr>
+      <p:sp>
+        <p:nvSpPr>
+          <p:cNvPr id="2" name="Title 1"/>
+          <p:cNvSpPr>
+            <a:spLocks noGrp="1"/>
+          </p:cNvSpPr>
+          <p:nvPr>
+            <p:ph type="title"/>
+          </p:nvPr>
+        </p:nvSpPr>
+        <p:spPr/>
+        <p:txBody>
+          <a:bodyPr>
+            <a:normAutofit/>
+          </a:bodyPr>
+          <a:lstStyle/>
+          <a:p>
+            <a:r>
+              <a:rPr lang="en-US" sz="3200" dirty="0" smtClean="0"/>
+              <a:t>What “we99” are Delivering – Plate Map Editor</a:t>
+            </a:r>
+            <a:endParaRPr lang="en-US" sz="3200" dirty="0"/>
+          </a:p>
+        </p:txBody>
+      </p:sp>
+      <p:sp>
+        <p:nvSpPr>
+          <p:cNvPr id="3" name="Content Placeholder 2"/>
+          <p:cNvSpPr>
+            <a:spLocks noGrp="1"/>
+          </p:cNvSpPr>
+          <p:nvPr>
+            <p:ph idx="1"/>
+          </p:nvPr>
+        </p:nvSpPr>
+        <p:spPr>
+          <a:xfrm>
+            <a:off x="457200" y="1417320"/>
+            <a:ext cx="8229600" cy="4876800"/>
+          </a:xfrm>
+        </p:spPr>
+        <p:txBody>
+          <a:bodyPr/>
+          <a:lstStyle/>
+          <a:p>
+            <a:pPr marL="0" indent="0">
+              <a:buNone/>
+            </a:pPr>
+            <a:r>
+              <a:rPr lang="en-US" dirty="0" smtClean="0"/>
+              <a:t>Add Plate Wizar</a:t>
+            </a:r>
+            <a:r>
+              <a:rPr lang="en-US" dirty="0" smtClean="0"/>
+              <a:t>d – Part 1: Wells and Compounds</a:t>
+            </a:r>
+            <a:endParaRPr lang="en-US" dirty="0"/>
+          </a:p>
+        </p:txBody>
+      </p:sp>
+      <p:pic>
+        <p:nvPicPr>
+          <p:cNvPr id="2050" name="Picture 2"/>
+          <p:cNvPicPr>
+            <a:picLocks noChangeAspect="1" noChangeArrowheads="1"/>
+          </p:cNvPicPr>
+          <p:nvPr/>
+        </p:nvPicPr>
+        <p:blipFill>
+          <a:blip r:embed="rId2" cstate="email">
+            <a:extLst>
+              <a:ext uri="{28A0092B-C50C-407E-A947-70E740481C1C}">
+                <a14:useLocalDpi xmlns:a14="http://schemas.microsoft.com/office/drawing/2010/main" val="0"/>
+              </a:ext>
+            </a:extLst>
+          </a:blip>
+          <a:srcRect/>
+          <a:stretch>
+            <a:fillRect/>
+          </a:stretch>
+        </p:blipFill>
+        <p:spPr bwMode="auto">
+          <a:xfrm>
+            <a:off x="315672" y="1986732"/>
+            <a:ext cx="8188248" cy="4109268"/>
+          </a:xfrm>
+          <a:prstGeom prst="rect">
+            <a:avLst/>
+          </a:prstGeom>
+          <a:noFill/>
+          <a:ln>
+            <a:noFill/>
+          </a:ln>
+          <a:extLst>
+            <a:ext uri="{909E8E84-426E-40DD-AFC4-6F175D3DCCD1}">
+              <a14:hiddenFill xmlns:a14="http://schemas.microsoft.com/office/drawing/2010/main">
+                <a:solidFill>
+                  <a:schemeClr val="accent1"/>
+                </a:solidFill>
+              </a14:hiddenFill>
+            </a:ext>
+            <a:ext uri="{91240B29-F687-4F45-9708-019B960494DF}">
+              <a14:hiddenLine xmlns:a14="http://schemas.microsoft.com/office/drawing/2010/main" w="9525">
+                <a:solidFill>
+                  <a:schemeClr val="tx1"/>
+                </a:solidFill>
+                <a:miter lim="800000"/>
+                <a:headEnd/>
+                <a:tailEnd/>
+              </a14:hiddenLine>
+            </a:ext>
+          </a:extLst>
+        </p:spPr>
+      </p:pic>
+    </p:spTree>
+    <p:extLst>
+      <p:ext uri="{BB962C8B-B14F-4D97-AF65-F5344CB8AC3E}">
+        <p14:creationId xmlns:p14="http://schemas.microsoft.com/office/powerpoint/2010/main" val="792167143"/>
+      </p:ext>
+    </p:extLst>
+  </p:cSld>
+  <p:clrMapOvr>
+    <a:masterClrMapping/>
+  </p:clrMapOvr>
+  <p:timing>
+    <p:tnLst>
+      <p:par>
+        <p:cTn id="1" dur="indefinite" restart="never" nodeType="tmRoot"/>
+      </p:par>
+    </p:tnLst>
+  </p:timing>
 </p:sld>
 </file>
 
@@ -5233,14 +5912,16 @@
         </p:nvSpPr>
         <p:spPr/>
         <p:txBody>
-          <a:bodyPr/>
-          <a:lstStyle/>
-          <a:p>
-            <a:r>
-              <a:rPr lang="en-US" dirty="0" smtClean="0"/>
-              <a:t>System Architecture</a:t>
-            </a:r>
-            <a:endParaRPr lang="en-US" dirty="0"/>
+          <a:bodyPr>
+            <a:normAutofit/>
+          </a:bodyPr>
+          <a:lstStyle/>
+          <a:p>
+            <a:r>
+              <a:rPr lang="en-US" sz="3200" dirty="0" smtClean="0"/>
+              <a:t>What “we99” are Delivering – Plate Map Editor</a:t>
+            </a:r>
+            <a:endParaRPr lang="en-US" sz="3200" dirty="0"/>
           </a:p>
         </p:txBody>
       </p:sp>
@@ -5254,41 +5935,102 @@
             <p:ph idx="1"/>
           </p:nvPr>
         </p:nvSpPr>
-        <p:spPr/>
-        <p:txBody>
-          <a:bodyPr/>
-          <a:lstStyle/>
-          <a:p>
-            <a:r>
-              <a:rPr lang="en-US" dirty="0" smtClean="0"/>
-              <a:t>Insert Hardware Requirements</a:t>
-            </a:r>
-          </a:p>
-          <a:p>
-            <a:r>
-              <a:rPr lang="en-US" dirty="0" smtClean="0"/>
-              <a:t>Software Requirements / Databases</a:t>
-            </a:r>
-          </a:p>
-          <a:p>
-            <a:r>
-              <a:rPr lang="en-US" dirty="0" smtClean="0"/>
-              <a:t>Diagrams / Design Ideas</a:t>
-            </a:r>
-            <a:endParaRPr lang="en-US" dirty="0"/>
-          </a:p>
-        </p:txBody>
-      </p:sp>
+        <p:spPr>
+          <a:xfrm>
+            <a:off x="457200" y="1417320"/>
+            <a:ext cx="8229600" cy="4876800"/>
+          </a:xfrm>
+        </p:spPr>
+        <p:txBody>
+          <a:bodyPr/>
+          <a:lstStyle/>
+          <a:p>
+            <a:pPr marL="0" indent="0">
+              <a:buNone/>
+            </a:pPr>
+            <a:r>
+              <a:rPr lang="en-US" dirty="0" smtClean="0"/>
+              <a:t>Add Plate Wizar</a:t>
+            </a:r>
+            <a:r>
+              <a:rPr lang="en-US" dirty="0" smtClean="0"/>
+              <a:t>d – Part 2: Dosage</a:t>
+            </a:r>
+            <a:endParaRPr lang="en-US" dirty="0"/>
+          </a:p>
+        </p:txBody>
+      </p:sp>
+      <p:pic>
+        <p:nvPicPr>
+          <p:cNvPr id="3074" name="Picture 2"/>
+          <p:cNvPicPr>
+            <a:picLocks noChangeAspect="1" noChangeArrowheads="1"/>
+          </p:cNvPicPr>
+          <p:nvPr/>
+        </p:nvPicPr>
+        <p:blipFill>
+          <a:blip r:embed="rId2" cstate="email">
+            <a:extLst>
+              <a:ext uri="{28A0092B-C50C-407E-A947-70E740481C1C}">
+                <a14:useLocalDpi xmlns:a14="http://schemas.microsoft.com/office/drawing/2010/main" val="0"/>
+              </a:ext>
+            </a:extLst>
+          </a:blip>
+          <a:srcRect/>
+          <a:stretch>
+            <a:fillRect/>
+          </a:stretch>
+        </p:blipFill>
+        <p:spPr bwMode="auto">
+          <a:xfrm>
+            <a:off x="510540" y="2112621"/>
+            <a:ext cx="8073390" cy="4329454"/>
+          </a:xfrm>
+          <a:prstGeom prst="rect">
+            <a:avLst/>
+          </a:prstGeom>
+          <a:noFill/>
+          <a:ln>
+            <a:noFill/>
+          </a:ln>
+          <a:extLst>
+            <a:ext uri="{909E8E84-426E-40DD-AFC4-6F175D3DCCD1}">
+              <a14:hiddenFill xmlns:a14="http://schemas.microsoft.com/office/drawing/2010/main">
+                <a:solidFill>
+                  <a:schemeClr val="accent1"/>
+                </a:solidFill>
+              </a14:hiddenFill>
+            </a:ext>
+            <a:ext uri="{91240B29-F687-4F45-9708-019B960494DF}">
+              <a14:hiddenLine xmlns:a14="http://schemas.microsoft.com/office/drawing/2010/main" w="9525">
+                <a:solidFill>
+                  <a:schemeClr val="tx1"/>
+                </a:solidFill>
+                <a:miter lim="800000"/>
+                <a:headEnd/>
+                <a:tailEnd/>
+              </a14:hiddenLine>
+            </a:ext>
+          </a:extLst>
+        </p:spPr>
+      </p:pic>
     </p:spTree>
     <p:extLst>
       <p:ext uri="{BB962C8B-B14F-4D97-AF65-F5344CB8AC3E}">
-        <p14:creationId xmlns:p14="http://schemas.microsoft.com/office/powerpoint/2010/main" val="3412289552"/>
+        <p14:creationId xmlns:p14="http://schemas.microsoft.com/office/powerpoint/2010/main" val="3488533225"/>
       </p:ext>
     </p:extLst>
   </p:cSld>
   <p:clrMapOvr>
     <a:masterClrMapping/>
   </p:clrMapOvr>
+  <p:timing>
+    <p:tnLst>
+      <p:par>
+        <p:cTn id="1" dur="indefinite" restart="never" nodeType="tmRoot"/>
+      </p:par>
+    </p:tnLst>
+  </p:timing>
 </p:sld>
 </file>
 
@@ -5321,14 +6063,16 @@
         </p:nvSpPr>
         <p:spPr/>
         <p:txBody>
-          <a:bodyPr/>
-          <a:lstStyle/>
-          <a:p>
-            <a:r>
-              <a:rPr lang="en-US" dirty="0" smtClean="0"/>
-              <a:t>Web Services</a:t>
-            </a:r>
-            <a:endParaRPr lang="en-US" dirty="0"/>
+          <a:bodyPr>
+            <a:normAutofit/>
+          </a:bodyPr>
+          <a:lstStyle/>
+          <a:p>
+            <a:r>
+              <a:rPr lang="en-US" sz="3200" dirty="0" smtClean="0"/>
+              <a:t>What “we99” are Delivering – Plate Map Editor</a:t>
+            </a:r>
+            <a:endParaRPr lang="en-US" sz="3200" dirty="0"/>
           </a:p>
         </p:txBody>
       </p:sp>
@@ -5342,25 +6086,148 @@
             <p:ph idx="1"/>
           </p:nvPr>
         </p:nvSpPr>
-        <p:spPr/>
-        <p:txBody>
-          <a:bodyPr/>
-          <a:lstStyle/>
-          <a:p>
-            <a:endParaRPr lang="en-US" dirty="0"/>
+        <p:spPr>
+          <a:xfrm>
+            <a:off x="457200" y="1417320"/>
+            <a:ext cx="8229600" cy="4876800"/>
+          </a:xfrm>
+        </p:spPr>
+        <p:txBody>
+          <a:bodyPr/>
+          <a:lstStyle/>
+          <a:p>
+            <a:pPr marL="0" indent="0">
+              <a:buNone/>
+            </a:pPr>
+            <a:r>
+              <a:rPr lang="en-US" dirty="0" smtClean="0"/>
+              <a:t>Add Plate Wizar</a:t>
+            </a:r>
+            <a:r>
+              <a:rPr lang="en-US" dirty="0" smtClean="0"/>
+              <a:t>d – Plate Preview</a:t>
+            </a:r>
+            <a:endParaRPr lang="en-US" dirty="0"/>
+          </a:p>
+        </p:txBody>
+      </p:sp>
+      <p:pic>
+        <p:nvPicPr>
+          <p:cNvPr id="5122" name="Picture 2"/>
+          <p:cNvPicPr>
+            <a:picLocks noChangeAspect="1" noChangeArrowheads="1"/>
+          </p:cNvPicPr>
+          <p:nvPr/>
+        </p:nvPicPr>
+        <p:blipFill rotWithShape="1">
+          <a:blip r:embed="rId2">
+            <a:extLst>
+              <a:ext uri="{28A0092B-C50C-407E-A947-70E740481C1C}">
+                <a14:useLocalDpi xmlns:a14="http://schemas.microsoft.com/office/drawing/2010/main" val="0"/>
+              </a:ext>
+            </a:extLst>
+          </a:blip>
+          <a:srcRect t="1667" b="-1667"/>
+          <a:stretch/>
+        </p:blipFill>
+        <p:spPr bwMode="auto">
+          <a:xfrm>
+            <a:off x="556260" y="1859280"/>
+            <a:ext cx="7981950" cy="4572000"/>
+          </a:xfrm>
+          <a:prstGeom prst="rect">
+            <a:avLst/>
+          </a:prstGeom>
+          <a:noFill/>
+          <a:ln>
+            <a:noFill/>
+          </a:ln>
+          <a:extLst>
+            <a:ext uri="{909E8E84-426E-40DD-AFC4-6F175D3DCCD1}">
+              <a14:hiddenFill xmlns:a14="http://schemas.microsoft.com/office/drawing/2010/main">
+                <a:solidFill>
+                  <a:schemeClr val="accent1"/>
+                </a:solidFill>
+              </a14:hiddenFill>
+            </a:ext>
+            <a:ext uri="{91240B29-F687-4F45-9708-019B960494DF}">
+              <a14:hiddenLine xmlns:a14="http://schemas.microsoft.com/office/drawing/2010/main" w="9525">
+                <a:solidFill>
+                  <a:schemeClr val="tx1"/>
+                </a:solidFill>
+                <a:miter lim="800000"/>
+                <a:headEnd/>
+                <a:tailEnd/>
+              </a14:hiddenLine>
+            </a:ext>
+          </a:extLst>
+        </p:spPr>
+      </p:pic>
+      <p:sp>
+        <p:nvSpPr>
+          <p:cNvPr id="4" name="Rectangle 3"/>
+          <p:cNvSpPr/>
+          <p:nvPr/>
+        </p:nvSpPr>
+        <p:spPr>
+          <a:xfrm>
+            <a:off x="6560820" y="3985260"/>
+            <a:ext cx="1470660" cy="601980"/>
+          </a:xfrm>
+          <a:prstGeom prst="rect">
+            <a:avLst/>
+          </a:prstGeom>
+          <a:solidFill>
+            <a:schemeClr val="bg1"/>
+          </a:solidFill>
+          <a:ln>
+            <a:solidFill>
+              <a:schemeClr val="bg1"/>
+            </a:solidFill>
+          </a:ln>
+        </p:spPr>
+        <p:style>
+          <a:lnRef idx="2">
+            <a:schemeClr val="accent1">
+              <a:shade val="50000"/>
+            </a:schemeClr>
+          </a:lnRef>
+          <a:fillRef idx="1">
+            <a:schemeClr val="accent1"/>
+          </a:fillRef>
+          <a:effectRef idx="0">
+            <a:schemeClr val="accent1"/>
+          </a:effectRef>
+          <a:fontRef idx="minor">
+            <a:schemeClr val="lt1"/>
+          </a:fontRef>
+        </p:style>
+        <p:txBody>
+          <a:bodyPr rtlCol="0" anchor="ctr"/>
+          <a:lstStyle/>
+          <a:p>
+            <a:pPr algn="ctr"/>
+            <a:endParaRPr lang="en-US"/>
           </a:p>
         </p:txBody>
       </p:sp>
     </p:spTree>
     <p:extLst>
       <p:ext uri="{BB962C8B-B14F-4D97-AF65-F5344CB8AC3E}">
-        <p14:creationId xmlns:p14="http://schemas.microsoft.com/office/powerpoint/2010/main" val="2634932234"/>
+        <p14:creationId xmlns:p14="http://schemas.microsoft.com/office/powerpoint/2010/main" val="2365134927"/>
       </p:ext>
     </p:extLst>
   </p:cSld>
   <p:clrMapOvr>
     <a:masterClrMapping/>
   </p:clrMapOvr>
+  <p:timing>
+    <p:tnLst>
+      <p:par>
+        <p:cTn id="1" dur="indefinite" restart="never" nodeType="tmRoot"/>
+      </p:par>
+    </p:tnLst>
+  </p:timing>
 </p:sld>
 </file>
 
